--- a/minor prj 2/E-Commerce Website Using MERN Stack 2.pptx
+++ b/minor prj 2/E-Commerce Website Using MERN Stack 2.pptx
@@ -10,20 +10,21 @@
     <p:sldId id="260" r:id="rId4"/>
     <p:sldId id="258" r:id="rId5"/>
     <p:sldId id="276" r:id="rId6"/>
-    <p:sldId id="259" r:id="rId7"/>
-    <p:sldId id="261" r:id="rId8"/>
-    <p:sldId id="262" r:id="rId9"/>
-    <p:sldId id="263" r:id="rId10"/>
-    <p:sldId id="264" r:id="rId11"/>
-    <p:sldId id="265" r:id="rId12"/>
-    <p:sldId id="266" r:id="rId13"/>
-    <p:sldId id="268" r:id="rId14"/>
-    <p:sldId id="269" r:id="rId15"/>
-    <p:sldId id="270" r:id="rId16"/>
-    <p:sldId id="271" r:id="rId17"/>
-    <p:sldId id="272" r:id="rId18"/>
-    <p:sldId id="267" r:id="rId19"/>
-    <p:sldId id="275" r:id="rId20"/>
+    <p:sldId id="278" r:id="rId7"/>
+    <p:sldId id="277" r:id="rId8"/>
+    <p:sldId id="259" r:id="rId9"/>
+    <p:sldId id="261" r:id="rId10"/>
+    <p:sldId id="262" r:id="rId11"/>
+    <p:sldId id="263" r:id="rId12"/>
+    <p:sldId id="264" r:id="rId13"/>
+    <p:sldId id="265" r:id="rId14"/>
+    <p:sldId id="266" r:id="rId15"/>
+    <p:sldId id="268" r:id="rId16"/>
+    <p:sldId id="269" r:id="rId17"/>
+    <p:sldId id="270" r:id="rId18"/>
+    <p:sldId id="271" r:id="rId19"/>
+    <p:sldId id="272" r:id="rId20"/>
+    <p:sldId id="275" r:id="rId21"/>
   </p:sldIdLst>
   <p:sldSz cx="12192000" cy="6858000"/>
   <p:notesSz cx="6858000" cy="9144000"/>
@@ -4065,7 +4066,7 @@
           <p:cNvPr id="6" name="Picture 5">
             <a:extLst>
               <a:ext uri="{FF2B5EF4-FFF2-40B4-BE49-F238E27FC236}">
-                <a16:creationId xmlns:a16="http://schemas.microsoft.com/office/drawing/2014/main" id="{C9A8F41A-7EE3-4AB9-BF96-919E8A8A3651}"/>
+                <a16:creationId xmlns:a16="http://schemas.microsoft.com/office/drawing/2014/main" id="{38044E40-3ED7-4F4D-B664-345CA70D250E}"/>
               </a:ext>
             </a:extLst>
           </p:cNvPr>
@@ -4088,8 +4089,8 @@
         </p:blipFill>
         <p:spPr>
           <a:xfrm>
-            <a:off x="1057275" y="93959"/>
-            <a:ext cx="5038725" cy="1364655"/>
+            <a:off x="476250" y="-42726"/>
+            <a:ext cx="4933950" cy="2160365"/>
           </a:xfrm>
           <a:prstGeom prst="rect">
             <a:avLst/>
@@ -4098,10 +4099,10 @@
       </p:pic>
       <p:sp>
         <p:nvSpPr>
-          <p:cNvPr id="2" name="TextBox 1">
-            <a:extLst>
-              <a:ext uri="{FF2B5EF4-FFF2-40B4-BE49-F238E27FC236}">
-                <a16:creationId xmlns:a16="http://schemas.microsoft.com/office/drawing/2014/main" id="{5E33FFF6-0EC0-4A7C-A3D8-D20BBF0FAC5B}"/>
+          <p:cNvPr id="7" name="TextBox 6">
+            <a:extLst>
+              <a:ext uri="{FF2B5EF4-FFF2-40B4-BE49-F238E27FC236}">
+                <a16:creationId xmlns:a16="http://schemas.microsoft.com/office/drawing/2014/main" id="{F569C96D-E9F7-438E-B11B-FE0A8E7B58E8}"/>
               </a:ext>
             </a:extLst>
           </p:cNvPr>
@@ -4110,8 +4111,8 @@
         </p:nvSpPr>
         <p:spPr>
           <a:xfrm>
-            <a:off x="790574" y="2847973"/>
-            <a:ext cx="4162425" cy="2677656"/>
+            <a:off x="371475" y="2480550"/>
+            <a:ext cx="10706100" cy="3539430"/>
           </a:xfrm>
           <a:prstGeom prst="rect">
             <a:avLst/>
@@ -4119,231 +4120,146 @@
           <a:noFill/>
         </p:spPr>
         <p:txBody>
-          <a:bodyPr wrap="square" rtlCol="0">
+          <a:bodyPr wrap="square" numCol="2" rtlCol="0">
             <a:spAutoFit/>
           </a:bodyPr>
           <a:lstStyle/>
           <a:p>
             <a:r>
-              <a:rPr lang="en-IN" sz="2400" dirty="0">
+              <a:rPr lang="en-US" sz="2800" dirty="0">
                 <a:solidFill>
                   <a:schemeClr val="tx1">
-                    <a:lumMod val="65000"/>
-                    <a:lumOff val="35000"/>
+                    <a:lumMod val="75000"/>
+                    <a:lumOff val="25000"/>
                   </a:schemeClr>
                 </a:solidFill>
               </a:rPr>
-              <a:t>NodeJS is a runtime</a:t>
-            </a:r>
-          </a:p>
-          <a:p>
-            <a:r>
-              <a:rPr lang="en-IN" sz="2400" dirty="0" err="1">
+              <a:t>It is a famous Library of</a:t>
+            </a:r>
+          </a:p>
+          <a:p>
+            <a:r>
+              <a:rPr lang="en-US" sz="2800" dirty="0">
                 <a:solidFill>
                   <a:schemeClr val="tx1">
-                    <a:lumMod val="65000"/>
-                    <a:lumOff val="35000"/>
+                    <a:lumMod val="75000"/>
+                    <a:lumOff val="25000"/>
                   </a:schemeClr>
                 </a:solidFill>
               </a:rPr>
-              <a:t>javascript</a:t>
-            </a:r>
-            <a:r>
-              <a:rPr lang="en-IN" sz="2400" dirty="0">
+              <a:t>node.js used for routing. It has some</a:t>
+            </a:r>
+          </a:p>
+          <a:p>
+            <a:r>
+              <a:rPr lang="en-US" sz="2800" dirty="0">
                 <a:solidFill>
                   <a:schemeClr val="tx1">
-                    <a:lumMod val="65000"/>
-                    <a:lumOff val="35000"/>
+                    <a:lumMod val="75000"/>
+                    <a:lumOff val="25000"/>
                   </a:schemeClr>
                 </a:solidFill>
               </a:rPr>
-              <a:t> environment that works</a:t>
-            </a:r>
-          </a:p>
-          <a:p>
-            <a:r>
-              <a:rPr lang="en-US" sz="2400" dirty="0">
+              <a:t>methods like a router which help to</a:t>
+            </a:r>
+          </a:p>
+          <a:p>
+            <a:r>
+              <a:rPr lang="en-US" sz="2800" dirty="0">
                 <a:solidFill>
                   <a:schemeClr val="tx1">
-                    <a:lumMod val="65000"/>
-                    <a:lumOff val="35000"/>
+                    <a:lumMod val="75000"/>
+                    <a:lumOff val="25000"/>
                   </a:schemeClr>
                 </a:solidFill>
               </a:rPr>
-              <a:t>outside the web page. It is mainly</a:t>
-            </a:r>
-          </a:p>
-          <a:p>
-            <a:r>
-              <a:rPr lang="en-IN" sz="2400" dirty="0">
+              <a:t>do curd operations like put, get, post,</a:t>
+            </a:r>
+            <a:r>
+              <a:rPr lang="en-IN" sz="2800" dirty="0">
                 <a:solidFill>
                   <a:schemeClr val="tx1">
-                    <a:lumMod val="65000"/>
-                    <a:lumOff val="35000"/>
+                    <a:lumMod val="75000"/>
+                    <a:lumOff val="25000"/>
                   </a:schemeClr>
                 </a:solidFill>
               </a:rPr>
-              <a:t>used for server-side applications.</a:t>
-            </a:r>
-          </a:p>
-        </p:txBody>
-      </p:sp>
-      <p:sp>
-        <p:nvSpPr>
-          <p:cNvPr id="7" name="TextBox 6">
-            <a:extLst>
-              <a:ext uri="{FF2B5EF4-FFF2-40B4-BE49-F238E27FC236}">
-                <a16:creationId xmlns:a16="http://schemas.microsoft.com/office/drawing/2014/main" id="{52C40C6D-8EDA-42A0-ADA5-0630CF1C3A5F}"/>
-              </a:ext>
-            </a:extLst>
-          </p:cNvPr>
-          <p:cNvSpPr txBox="1"/>
-          <p:nvPr/>
-        </p:nvSpPr>
-        <p:spPr>
-          <a:xfrm>
-            <a:off x="6181725" y="2657475"/>
-            <a:ext cx="4343399" cy="3785652"/>
-          </a:xfrm>
-          <a:prstGeom prst="rect">
-            <a:avLst/>
-          </a:prstGeom>
-          <a:noFill/>
-        </p:spPr>
-        <p:txBody>
-          <a:bodyPr wrap="square" rtlCol="0">
-            <a:spAutoFit/>
-          </a:bodyPr>
-          <a:lstStyle/>
-          <a:p>
-            <a:endParaRPr lang="en-IN" sz="2400" dirty="0"/>
-          </a:p>
-          <a:p>
-            <a:r>
-              <a:rPr lang="en-US" sz="2400" dirty="0"/>
-              <a:t>*</a:t>
-            </a:r>
-            <a:r>
-              <a:rPr lang="en-US" sz="2400" dirty="0">
-                <a:solidFill>
-                  <a:schemeClr val="tx1">
-                    <a:lumMod val="65000"/>
-                    <a:lumOff val="35000"/>
-                  </a:schemeClr>
-                </a:solidFill>
-              </a:rPr>
-              <a:t>NodeJS is open source and it is free </a:t>
-            </a:r>
-            <a:r>
-              <a:rPr lang="en-IN" sz="2400" dirty="0">
-                <a:solidFill>
-                  <a:schemeClr val="tx1">
-                    <a:lumMod val="65000"/>
-                    <a:lumOff val="35000"/>
-                  </a:schemeClr>
-                </a:solidFill>
-              </a:rPr>
-              <a:t>of cost.</a:t>
-            </a:r>
-          </a:p>
-          <a:p>
-            <a:endParaRPr lang="en-IN" sz="2400" dirty="0">
+              <a:t>and delete request .</a:t>
+            </a:r>
+          </a:p>
+          <a:p>
+            <a:endParaRPr lang="en-US" sz="2800" dirty="0">
               <a:solidFill>
                 <a:schemeClr val="tx1">
-                  <a:lumMod val="65000"/>
-                  <a:lumOff val="35000"/>
+                  <a:lumMod val="75000"/>
+                  <a:lumOff val="25000"/>
                 </a:schemeClr>
               </a:solidFill>
             </a:endParaRPr>
           </a:p>
           <a:p>
-            <a:r>
-              <a:rPr lang="en-IN" sz="2400" dirty="0"/>
-              <a:t>*</a:t>
-            </a:r>
-            <a:r>
-              <a:rPr lang="en-IN" sz="2400" dirty="0">
-                <a:solidFill>
-                  <a:schemeClr val="tx1">
-                    <a:lumMod val="65000"/>
-                    <a:lumOff val="35000"/>
-                  </a:schemeClr>
-                </a:solidFill>
-              </a:rPr>
-              <a:t>NodeJS uses asynchronous</a:t>
-            </a:r>
-          </a:p>
-          <a:p>
-            <a:r>
-              <a:rPr lang="en-IN" sz="2400" dirty="0">
-                <a:solidFill>
-                  <a:schemeClr val="tx1">
-                    <a:lumMod val="65000"/>
-                    <a:lumOff val="35000"/>
-                  </a:schemeClr>
-                </a:solidFill>
-              </a:rPr>
-              <a:t>programming by default.</a:t>
-            </a:r>
-          </a:p>
-          <a:p>
-            <a:endParaRPr lang="en-IN" sz="2400" dirty="0"/>
-          </a:p>
-          <a:p>
-            <a:r>
-              <a:rPr lang="en-IN" sz="2400" dirty="0"/>
-              <a:t> * </a:t>
-            </a:r>
-            <a:r>
-              <a:rPr lang="en-IN" sz="2400" dirty="0">
-                <a:solidFill>
-                  <a:schemeClr val="tx1">
-                    <a:lumMod val="65000"/>
-                    <a:lumOff val="35000"/>
-                  </a:schemeClr>
-                </a:solidFill>
-              </a:rPr>
-              <a:t>NodeJS </a:t>
-            </a:r>
-            <a:r>
-              <a:rPr lang="en-US" sz="2400" dirty="0">
-                <a:solidFill>
-                  <a:schemeClr val="tx1">
-                    <a:lumMod val="65000"/>
-                    <a:lumOff val="35000"/>
-                  </a:schemeClr>
-                </a:solidFill>
-              </a:rPr>
-              <a:t>will always store the data in only</a:t>
-            </a:r>
-          </a:p>
-          <a:p>
-            <a:r>
-              <a:rPr lang="en-IN" sz="2400" dirty="0">
-                <a:solidFill>
-                  <a:schemeClr val="tx1">
-                    <a:lumMod val="65000"/>
-                    <a:lumOff val="35000"/>
-                  </a:schemeClr>
-                </a:solidFill>
-              </a:rPr>
-              <a:t>JSON format.</a:t>
-            </a:r>
-            <a:endParaRPr lang="en-IN" sz="3200" dirty="0">
+            <a:endParaRPr lang="en-IN" sz="2800" dirty="0">
               <a:solidFill>
                 <a:schemeClr val="tx1">
-                  <a:lumMod val="65000"/>
-                  <a:lumOff val="35000"/>
+                  <a:lumMod val="75000"/>
+                  <a:lumOff val="25000"/>
                 </a:schemeClr>
               </a:solidFill>
             </a:endParaRPr>
           </a:p>
+          <a:p>
+            <a:pPr marL="457200" indent="-457200">
+              <a:buFont typeface="Arial" panose="020B0604020202020204" pitchFamily="34" charset="0"/>
+              <a:buChar char="•"/>
+            </a:pPr>
+            <a:r>
+              <a:rPr lang="en-IN" sz="2800" dirty="0"/>
+              <a:t>Robust routing</a:t>
+            </a:r>
+          </a:p>
+          <a:p>
+            <a:pPr marL="457200" indent="-457200">
+              <a:buFont typeface="Arial" panose="020B0604020202020204" pitchFamily="34" charset="0"/>
+              <a:buChar char="•"/>
+            </a:pPr>
+            <a:endParaRPr lang="en-IN" sz="2800" dirty="0"/>
+          </a:p>
+          <a:p>
+            <a:pPr marL="457200" indent="-457200">
+              <a:buFont typeface="Arial" panose="020B0604020202020204" pitchFamily="34" charset="0"/>
+              <a:buChar char="•"/>
+            </a:pPr>
+            <a:r>
+              <a:rPr lang="en-US" sz="2800" dirty="0"/>
+              <a:t>It will focus on high performance</a:t>
+            </a:r>
+          </a:p>
+          <a:p>
+            <a:endParaRPr lang="en-US" sz="2800" dirty="0"/>
+          </a:p>
+          <a:p>
+            <a:r>
+              <a:rPr lang="en-US" sz="2800" dirty="0"/>
+              <a:t>*It is an HTTP helper like it will help with </a:t>
+            </a:r>
+            <a:r>
+              <a:rPr lang="en-IN" sz="2800" dirty="0"/>
+              <a:t>redirection, catching, editing etc</a:t>
+            </a:r>
+            <a:r>
+              <a:rPr lang="en-IN" sz="2000" dirty="0"/>
+              <a:t>.</a:t>
+            </a:r>
+          </a:p>
+          <a:p>
+            <a:endParaRPr lang="en-IN" sz="2000" dirty="0"/>
+          </a:p>
         </p:txBody>
       </p:sp>
     </p:spTree>
     <p:extLst>
       <p:ext uri="{BB962C8B-B14F-4D97-AF65-F5344CB8AC3E}">
-        <p14:creationId xmlns:p14="http://schemas.microsoft.com/office/powerpoint/2010/main" val="2807784771"/>
+        <p14:creationId xmlns:p14="http://schemas.microsoft.com/office/powerpoint/2010/main" val="16281939"/>
       </p:ext>
     </p:extLst>
   </p:cSld>
@@ -4412,48 +4328,58 @@
           <a:lstStyle/>
           <a:p>
             <a:pPr algn="ctr"/>
-            <a:endParaRPr lang="en-IN"/>
-          </a:p>
-        </p:txBody>
-      </p:sp>
-      <p:sp>
-        <p:nvSpPr>
-          <p:cNvPr id="2" name="Title 1">
-            <a:extLst>
-              <a:ext uri="{FF2B5EF4-FFF2-40B4-BE49-F238E27FC236}">
-                <a16:creationId xmlns:a16="http://schemas.microsoft.com/office/drawing/2014/main" id="{A7F0CA62-FCD8-4A5F-978B-DA8DD61D7B9A}"/>
-              </a:ext>
-            </a:extLst>
-          </p:cNvPr>
-          <p:cNvSpPr>
-            <a:spLocks noGrp="1"/>
+            <a:endParaRPr lang="en-IN" dirty="0"/>
+          </a:p>
+        </p:txBody>
+      </p:sp>
+      <p:sp>
+        <p:nvSpPr>
+          <p:cNvPr id="5" name="Title 1">
+            <a:extLst>
+              <a:ext uri="{FF2B5EF4-FFF2-40B4-BE49-F238E27FC236}">
+                <a16:creationId xmlns:a16="http://schemas.microsoft.com/office/drawing/2014/main" id="{41A20B25-F493-4DA2-835D-54ECA2A0D804}"/>
+              </a:ext>
+            </a:extLst>
+          </p:cNvPr>
+          <p:cNvSpPr txBox="1">
+            <a:spLocks/>
           </p:cNvSpPr>
-          <p:nvPr>
-            <p:ph type="ctrTitle"/>
-          </p:nvPr>
+          <p:nvPr/>
         </p:nvSpPr>
         <p:spPr>
           <a:xfrm>
-            <a:off x="485775" y="128723"/>
-            <a:ext cx="6362700" cy="1157151"/>
+            <a:off x="476250" y="-42726"/>
+            <a:ext cx="4800600" cy="1128576"/>
           </a:xfrm>
+          <a:prstGeom prst="rect">
+            <a:avLst/>
+          </a:prstGeom>
         </p:spPr>
         <p:txBody>
-          <a:bodyPr>
-            <a:normAutofit fontScale="90000"/>
+          <a:bodyPr vert="horz" lIns="91440" tIns="45720" rIns="91440" bIns="45720" rtlCol="0" anchor="b">
+            <a:normAutofit/>
           </a:bodyPr>
-          <a:lstStyle/>
+          <a:lstStyle>
+            <a:lvl1pPr algn="ctr" defTabSz="914400" rtl="0" eaLnBrk="1" latinLnBrk="0" hangingPunct="1">
+              <a:lnSpc>
+                <a:spcPct val="90000"/>
+              </a:lnSpc>
+              <a:spcBef>
+                <a:spcPct val="0"/>
+              </a:spcBef>
+              <a:buNone/>
+              <a:defRPr sz="6000" kern="1200">
+                <a:solidFill>
+                  <a:schemeClr val="tx1"/>
+                </a:solidFill>
+                <a:latin typeface="+mj-lt"/>
+                <a:ea typeface="+mj-ea"/>
+                <a:cs typeface="+mj-cs"/>
+              </a:defRPr>
+            </a:lvl1pPr>
+          </a:lstStyle>
           <a:p>
             <a:pPr algn="l"/>
-            <a:r>
-              <a:rPr lang="en-US" dirty="0">
-                <a:solidFill>
-                  <a:schemeClr val="bg1"/>
-                </a:solidFill>
-                <a:latin typeface="Bahnschrift Condensed" panose="020B0502040204020203" pitchFamily="34" charset="0"/>
-              </a:rPr>
-              <a:t>Software And Tools Used</a:t>
-            </a:r>
             <a:endParaRPr lang="en-IN" dirty="0">
               <a:solidFill>
                 <a:schemeClr val="bg1"/>
@@ -4463,323 +4389,365 @@
           </a:p>
         </p:txBody>
       </p:sp>
-      <p:sp>
-        <p:nvSpPr>
-          <p:cNvPr id="7" name="Subtitle 2">
-            <a:extLst>
-              <a:ext uri="{FF2B5EF4-FFF2-40B4-BE49-F238E27FC236}">
-                <a16:creationId xmlns:a16="http://schemas.microsoft.com/office/drawing/2014/main" id="{C727C305-BF82-4EBF-BD47-13C708A4AAB9}"/>
-              </a:ext>
-            </a:extLst>
-          </p:cNvPr>
-          <p:cNvSpPr txBox="1">
-            <a:spLocks/>
-          </p:cNvSpPr>
+      <p:pic>
+        <p:nvPicPr>
+          <p:cNvPr id="6" name="Picture 5">
+            <a:extLst>
+              <a:ext uri="{FF2B5EF4-FFF2-40B4-BE49-F238E27FC236}">
+                <a16:creationId xmlns:a16="http://schemas.microsoft.com/office/drawing/2014/main" id="{45C1D9A0-500C-4AD2-A006-D237611134D4}"/>
+              </a:ext>
+            </a:extLst>
+          </p:cNvPr>
+          <p:cNvPicPr>
+            <a:picLocks noChangeAspect="1"/>
+          </p:cNvPicPr>
           <p:nvPr/>
-        </p:nvSpPr>
+        </p:nvPicPr>
+        <p:blipFill>
+          <a:blip r:embed="rId2">
+            <a:extLst>
+              <a:ext uri="{28A0092B-C50C-407E-A947-70E740481C1C}">
+                <a14:useLocalDpi xmlns:a14="http://schemas.microsoft.com/office/drawing/2010/main" val="0"/>
+              </a:ext>
+            </a:extLst>
+          </a:blip>
+          <a:stretch>
+            <a:fillRect/>
+          </a:stretch>
+        </p:blipFill>
         <p:spPr>
           <a:xfrm>
-            <a:off x="361950" y="2400300"/>
-            <a:ext cx="11296650" cy="3790950"/>
+            <a:off x="561976" y="-280851"/>
+            <a:ext cx="4800600" cy="2259657"/>
           </a:xfrm>
           <a:prstGeom prst="rect">
             <a:avLst/>
           </a:prstGeom>
         </p:spPr>
-        <p:txBody>
-          <a:bodyPr vert="horz" lIns="91440" tIns="45720" rIns="91440" bIns="45720" rtlCol="0">
-            <a:normAutofit/>
+      </p:pic>
+      <p:sp>
+        <p:nvSpPr>
+          <p:cNvPr id="9" name="TextBox 8">
+            <a:extLst>
+              <a:ext uri="{FF2B5EF4-FFF2-40B4-BE49-F238E27FC236}">
+                <a16:creationId xmlns:a16="http://schemas.microsoft.com/office/drawing/2014/main" id="{C7A55571-879A-40EA-A09B-133DAF74F363}"/>
+              </a:ext>
+            </a:extLst>
+          </p:cNvPr>
+          <p:cNvSpPr txBox="1"/>
+          <p:nvPr/>
+        </p:nvSpPr>
+        <p:spPr>
+          <a:xfrm flipH="1">
+            <a:off x="361949" y="2505076"/>
+            <a:ext cx="4648200" cy="3785652"/>
+          </a:xfrm>
+          <a:prstGeom prst="rect">
+            <a:avLst/>
+          </a:prstGeom>
+          <a:noFill/>
+        </p:spPr>
+        <p:txBody>
+          <a:bodyPr wrap="square" rtlCol="0">
+            <a:spAutoFit/>
           </a:bodyPr>
-          <a:lstStyle>
-            <a:lvl1pPr marL="0" indent="0" algn="ctr" defTabSz="914400" rtl="0" eaLnBrk="1" latinLnBrk="0" hangingPunct="1">
-              <a:lnSpc>
-                <a:spcPct val="90000"/>
-              </a:lnSpc>
-              <a:spcBef>
-                <a:spcPts val="1000"/>
-              </a:spcBef>
-              <a:buFont typeface="Arial" panose="020B0604020202020204" pitchFamily="34" charset="0"/>
-              <a:buNone/>
-              <a:defRPr sz="2400" kern="1200">
-                <a:solidFill>
-                  <a:schemeClr val="tx1"/>
-                </a:solidFill>
-                <a:latin typeface="+mn-lt"/>
-                <a:ea typeface="+mn-ea"/>
-                <a:cs typeface="+mn-cs"/>
-              </a:defRPr>
-            </a:lvl1pPr>
-            <a:lvl2pPr marL="457200" indent="0" algn="ctr" defTabSz="914400" rtl="0" eaLnBrk="1" latinLnBrk="0" hangingPunct="1">
-              <a:lnSpc>
-                <a:spcPct val="90000"/>
-              </a:lnSpc>
-              <a:spcBef>
-                <a:spcPts val="500"/>
-              </a:spcBef>
-              <a:buFont typeface="Arial" panose="020B0604020202020204" pitchFamily="34" charset="0"/>
-              <a:buNone/>
-              <a:defRPr sz="2000" kern="1200">
-                <a:solidFill>
-                  <a:schemeClr val="tx1"/>
-                </a:solidFill>
-                <a:latin typeface="+mn-lt"/>
-                <a:ea typeface="+mn-ea"/>
-                <a:cs typeface="+mn-cs"/>
-              </a:defRPr>
-            </a:lvl2pPr>
-            <a:lvl3pPr marL="914400" indent="0" algn="ctr" defTabSz="914400" rtl="0" eaLnBrk="1" latinLnBrk="0" hangingPunct="1">
-              <a:lnSpc>
-                <a:spcPct val="90000"/>
-              </a:lnSpc>
-              <a:spcBef>
-                <a:spcPts val="500"/>
-              </a:spcBef>
-              <a:buFont typeface="Arial" panose="020B0604020202020204" pitchFamily="34" charset="0"/>
-              <a:buNone/>
-              <a:defRPr sz="1800" kern="1200">
-                <a:solidFill>
-                  <a:schemeClr val="tx1"/>
-                </a:solidFill>
-                <a:latin typeface="+mn-lt"/>
-                <a:ea typeface="+mn-ea"/>
-                <a:cs typeface="+mn-cs"/>
-              </a:defRPr>
-            </a:lvl3pPr>
-            <a:lvl4pPr marL="1371600" indent="0" algn="ctr" defTabSz="914400" rtl="0" eaLnBrk="1" latinLnBrk="0" hangingPunct="1">
-              <a:lnSpc>
-                <a:spcPct val="90000"/>
-              </a:lnSpc>
-              <a:spcBef>
-                <a:spcPts val="500"/>
-              </a:spcBef>
-              <a:buFont typeface="Arial" panose="020B0604020202020204" pitchFamily="34" charset="0"/>
-              <a:buNone/>
-              <a:defRPr sz="1600" kern="1200">
-                <a:solidFill>
-                  <a:schemeClr val="tx1"/>
-                </a:solidFill>
-                <a:latin typeface="+mn-lt"/>
-                <a:ea typeface="+mn-ea"/>
-                <a:cs typeface="+mn-cs"/>
-              </a:defRPr>
-            </a:lvl4pPr>
-            <a:lvl5pPr marL="1828800" indent="0" algn="ctr" defTabSz="914400" rtl="0" eaLnBrk="1" latinLnBrk="0" hangingPunct="1">
-              <a:lnSpc>
-                <a:spcPct val="90000"/>
-              </a:lnSpc>
-              <a:spcBef>
-                <a:spcPts val="500"/>
-              </a:spcBef>
-              <a:buFont typeface="Arial" panose="020B0604020202020204" pitchFamily="34" charset="0"/>
-              <a:buNone/>
-              <a:defRPr sz="1600" kern="1200">
-                <a:solidFill>
-                  <a:schemeClr val="tx1"/>
-                </a:solidFill>
-                <a:latin typeface="+mn-lt"/>
-                <a:ea typeface="+mn-ea"/>
-                <a:cs typeface="+mn-cs"/>
-              </a:defRPr>
-            </a:lvl5pPr>
-            <a:lvl6pPr marL="2286000" indent="0" algn="ctr" defTabSz="914400" rtl="0" eaLnBrk="1" latinLnBrk="0" hangingPunct="1">
-              <a:lnSpc>
-                <a:spcPct val="90000"/>
-              </a:lnSpc>
-              <a:spcBef>
-                <a:spcPts val="500"/>
-              </a:spcBef>
-              <a:buFont typeface="Arial" panose="020B0604020202020204" pitchFamily="34" charset="0"/>
-              <a:buNone/>
-              <a:defRPr sz="1600" kern="1200">
-                <a:solidFill>
-                  <a:schemeClr val="tx1"/>
-                </a:solidFill>
-                <a:latin typeface="+mn-lt"/>
-                <a:ea typeface="+mn-ea"/>
-                <a:cs typeface="+mn-cs"/>
-              </a:defRPr>
-            </a:lvl6pPr>
-            <a:lvl7pPr marL="2743200" indent="0" algn="ctr" defTabSz="914400" rtl="0" eaLnBrk="1" latinLnBrk="0" hangingPunct="1">
-              <a:lnSpc>
-                <a:spcPct val="90000"/>
-              </a:lnSpc>
-              <a:spcBef>
-                <a:spcPts val="500"/>
-              </a:spcBef>
-              <a:buFont typeface="Arial" panose="020B0604020202020204" pitchFamily="34" charset="0"/>
-              <a:buNone/>
-              <a:defRPr sz="1600" kern="1200">
-                <a:solidFill>
-                  <a:schemeClr val="tx1"/>
-                </a:solidFill>
-                <a:latin typeface="+mn-lt"/>
-                <a:ea typeface="+mn-ea"/>
-                <a:cs typeface="+mn-cs"/>
-              </a:defRPr>
-            </a:lvl7pPr>
-            <a:lvl8pPr marL="3200400" indent="0" algn="ctr" defTabSz="914400" rtl="0" eaLnBrk="1" latinLnBrk="0" hangingPunct="1">
-              <a:lnSpc>
-                <a:spcPct val="90000"/>
-              </a:lnSpc>
-              <a:spcBef>
-                <a:spcPts val="500"/>
-              </a:spcBef>
-              <a:buFont typeface="Arial" panose="020B0604020202020204" pitchFamily="34" charset="0"/>
-              <a:buNone/>
-              <a:defRPr sz="1600" kern="1200">
-                <a:solidFill>
-                  <a:schemeClr val="tx1"/>
-                </a:solidFill>
-                <a:latin typeface="+mn-lt"/>
-                <a:ea typeface="+mn-ea"/>
-                <a:cs typeface="+mn-cs"/>
-              </a:defRPr>
-            </a:lvl8pPr>
-            <a:lvl9pPr marL="3657600" indent="0" algn="ctr" defTabSz="914400" rtl="0" eaLnBrk="1" latinLnBrk="0" hangingPunct="1">
-              <a:lnSpc>
-                <a:spcPct val="90000"/>
-              </a:lnSpc>
-              <a:spcBef>
-                <a:spcPts val="500"/>
-              </a:spcBef>
-              <a:buFont typeface="Arial" panose="020B0604020202020204" pitchFamily="34" charset="0"/>
-              <a:buNone/>
-              <a:defRPr sz="1600" kern="1200">
-                <a:solidFill>
-                  <a:schemeClr val="tx1"/>
-                </a:solidFill>
-                <a:latin typeface="+mn-lt"/>
-                <a:ea typeface="+mn-ea"/>
-                <a:cs typeface="+mn-cs"/>
-              </a:defRPr>
-            </a:lvl9pPr>
-          </a:lstStyle>
-          <a:p>
-            <a:pPr marL="514350" indent="-514350" algn="l">
-              <a:buAutoNum type="arabicPeriod"/>
-            </a:pPr>
-            <a:r>
-              <a:rPr lang="en-US" dirty="0">
+          <a:lstStyle/>
+          <a:p>
+            <a:r>
+              <a:rPr lang="en-US" sz="2400" dirty="0">
                 <a:solidFill>
                   <a:schemeClr val="tx1">
-                    <a:lumMod val="75000"/>
-                    <a:lumOff val="25000"/>
+                    <a:lumMod val="65000"/>
+                    <a:lumOff val="35000"/>
                   </a:schemeClr>
                 </a:solidFill>
               </a:rPr>
-              <a:t>VS Code Editor</a:t>
-            </a:r>
-            <a:endParaRPr lang="en-IN" dirty="0">
+              <a:t>React is a library of </a:t>
+            </a:r>
+            <a:r>
+              <a:rPr lang="en-US" sz="2400" dirty="0" err="1">
+                <a:solidFill>
+                  <a:schemeClr val="tx1">
+                    <a:lumMod val="65000"/>
+                    <a:lumOff val="35000"/>
+                  </a:schemeClr>
+                </a:solidFill>
+              </a:rPr>
+              <a:t>javascript</a:t>
+            </a:r>
+            <a:r>
+              <a:rPr lang="en-US" sz="2400" dirty="0">
+                <a:solidFill>
+                  <a:schemeClr val="tx1">
+                    <a:lumMod val="65000"/>
+                    <a:lumOff val="35000"/>
+                  </a:schemeClr>
+                </a:solidFill>
+              </a:rPr>
+              <a:t> which is created by Facebook. React is mainly used as a UI which means Maximum it is used for client-side applications. There are so</a:t>
+            </a:r>
+          </a:p>
+          <a:p>
+            <a:r>
+              <a:rPr lang="en-IN" sz="2400" dirty="0">
+                <a:solidFill>
+                  <a:schemeClr val="tx1">
+                    <a:lumMod val="65000"/>
+                    <a:lumOff val="35000"/>
+                  </a:schemeClr>
+                </a:solidFill>
+              </a:rPr>
+              <a:t>many libraries like React </a:t>
+            </a:r>
+            <a:r>
+              <a:rPr lang="en-IN" sz="2400" dirty="0" err="1">
+                <a:solidFill>
+                  <a:schemeClr val="tx1">
+                    <a:lumMod val="65000"/>
+                    <a:lumOff val="35000"/>
+                  </a:schemeClr>
+                </a:solidFill>
+              </a:rPr>
+              <a:t>gh</a:t>
+            </a:r>
+            <a:r>
+              <a:rPr lang="en-IN" sz="2400" dirty="0">
+                <a:solidFill>
+                  <a:schemeClr val="tx1">
+                    <a:lumMod val="65000"/>
+                    <a:lumOff val="35000"/>
+                  </a:schemeClr>
+                </a:solidFill>
+              </a:rPr>
+              <a:t> side Library in React-</a:t>
+            </a:r>
+            <a:r>
+              <a:rPr lang="en-IN" sz="2400" dirty="0" err="1">
+                <a:solidFill>
+                  <a:schemeClr val="tx1">
+                    <a:lumMod val="65000"/>
+                    <a:lumOff val="35000"/>
+                  </a:schemeClr>
+                </a:solidFill>
+              </a:rPr>
+              <a:t>dom</a:t>
+            </a:r>
+            <a:r>
+              <a:rPr lang="en-IN" sz="2400" dirty="0">
+                <a:solidFill>
+                  <a:schemeClr val="tx1">
+                    <a:lumMod val="65000"/>
+                    <a:lumOff val="35000"/>
+                  </a:schemeClr>
+                </a:solidFill>
+              </a:rPr>
+              <a:t>, </a:t>
+            </a:r>
+            <a:r>
+              <a:rPr lang="en-IN" sz="2400" dirty="0" err="1">
+                <a:solidFill>
+                  <a:schemeClr val="tx1">
+                    <a:lumMod val="65000"/>
+                    <a:lumOff val="35000"/>
+                  </a:schemeClr>
+                </a:solidFill>
+              </a:rPr>
+              <a:t>Reactrouter</a:t>
+            </a:r>
+            <a:r>
+              <a:rPr lang="en-IN" sz="2400" dirty="0">
+                <a:solidFill>
+                  <a:schemeClr val="tx1">
+                    <a:lumMod val="65000"/>
+                    <a:lumOff val="35000"/>
+                  </a:schemeClr>
+                </a:solidFill>
+              </a:rPr>
+              <a:t>-</a:t>
+            </a:r>
+            <a:r>
+              <a:rPr lang="en-US" sz="2400" dirty="0" err="1">
+                <a:solidFill>
+                  <a:schemeClr val="tx1">
+                    <a:lumMod val="65000"/>
+                    <a:lumOff val="35000"/>
+                  </a:schemeClr>
+                </a:solidFill>
+              </a:rPr>
+              <a:t>dom</a:t>
+            </a:r>
+            <a:r>
+              <a:rPr lang="en-US" sz="2400" dirty="0">
+                <a:solidFill>
+                  <a:schemeClr val="tx1">
+                    <a:lumMod val="65000"/>
+                    <a:lumOff val="35000"/>
+                  </a:schemeClr>
+                </a:solidFill>
+              </a:rPr>
+              <a:t>, and many more to help to build the frontend of any</a:t>
+            </a:r>
+          </a:p>
+          <a:p>
+            <a:r>
+              <a:rPr lang="en-IN" sz="2400" dirty="0">
+                <a:solidFill>
+                  <a:schemeClr val="tx1">
+                    <a:lumMod val="65000"/>
+                    <a:lumOff val="35000"/>
+                  </a:schemeClr>
+                </a:solidFill>
+              </a:rPr>
+              <a:t>application.</a:t>
+            </a:r>
+          </a:p>
+        </p:txBody>
+      </p:sp>
+      <p:sp>
+        <p:nvSpPr>
+          <p:cNvPr id="10" name="TextBox 9">
+            <a:extLst>
+              <a:ext uri="{FF2B5EF4-FFF2-40B4-BE49-F238E27FC236}">
+                <a16:creationId xmlns:a16="http://schemas.microsoft.com/office/drawing/2014/main" id="{EC2F4F3C-3A92-4E0C-8B95-2F73EC549305}"/>
+              </a:ext>
+            </a:extLst>
+          </p:cNvPr>
+          <p:cNvSpPr txBox="1"/>
+          <p:nvPr/>
+        </p:nvSpPr>
+        <p:spPr>
+          <a:xfrm flipH="1">
+            <a:off x="5734049" y="2657476"/>
+            <a:ext cx="4676776" cy="3046988"/>
+          </a:xfrm>
+          <a:prstGeom prst="rect">
+            <a:avLst/>
+          </a:prstGeom>
+          <a:noFill/>
+        </p:spPr>
+        <p:txBody>
+          <a:bodyPr wrap="square" rtlCol="0">
+            <a:spAutoFit/>
+          </a:bodyPr>
+          <a:lstStyle/>
+          <a:p>
+            <a:r>
+              <a:rPr lang="en-US" sz="2400" dirty="0"/>
+              <a:t>* </a:t>
+            </a:r>
+            <a:r>
+              <a:rPr lang="en-US" sz="2400" dirty="0">
+                <a:solidFill>
+                  <a:schemeClr val="tx1">
+                    <a:lumMod val="65000"/>
+                    <a:lumOff val="35000"/>
+                  </a:schemeClr>
+                </a:solidFill>
+              </a:rPr>
+              <a:t>The rendering of the page will be</a:t>
+            </a:r>
+          </a:p>
+          <a:p>
+            <a:r>
+              <a:rPr lang="en-US" sz="2400" dirty="0">
+                <a:solidFill>
+                  <a:schemeClr val="tx1">
+                    <a:lumMod val="65000"/>
+                    <a:lumOff val="35000"/>
+                  </a:schemeClr>
+                </a:solidFill>
+              </a:rPr>
+              <a:t>much faster than others because it</a:t>
+            </a:r>
+          </a:p>
+          <a:p>
+            <a:r>
+              <a:rPr lang="en-IN" sz="2400" dirty="0">
+                <a:solidFill>
+                  <a:schemeClr val="tx1">
+                    <a:lumMod val="65000"/>
+                    <a:lumOff val="35000"/>
+                  </a:schemeClr>
+                </a:solidFill>
+              </a:rPr>
+              <a:t>has virtual Dom</a:t>
+            </a:r>
+            <a:r>
+              <a:rPr lang="en-IN" sz="2400" dirty="0"/>
+              <a:t>.</a:t>
+            </a:r>
+          </a:p>
+          <a:p>
+            <a:endParaRPr lang="en-IN" sz="2400" dirty="0"/>
+          </a:p>
+          <a:p>
+            <a:r>
+              <a:rPr lang="en-IN" sz="2400" dirty="0"/>
+              <a:t>*</a:t>
+            </a:r>
+            <a:r>
+              <a:rPr lang="en-IN" sz="2400" dirty="0">
+                <a:solidFill>
+                  <a:schemeClr val="tx1">
+                    <a:lumMod val="65000"/>
+                    <a:lumOff val="35000"/>
+                  </a:schemeClr>
+                </a:solidFill>
+              </a:rPr>
+              <a:t>uses a stable code</a:t>
+            </a:r>
+            <a:r>
+              <a:rPr lang="en-IN" sz="2400" dirty="0"/>
+              <a:t>.</a:t>
+            </a:r>
+          </a:p>
+          <a:p>
+            <a:endParaRPr lang="en-IN" sz="2400" dirty="0"/>
+          </a:p>
+          <a:p>
+            <a:r>
+              <a:rPr lang="en-US" sz="2400" dirty="0"/>
+              <a:t>* </a:t>
+            </a:r>
+            <a:r>
+              <a:rPr lang="en-US" sz="2400" dirty="0">
+                <a:solidFill>
+                  <a:schemeClr val="tx1">
+                    <a:lumMod val="65000"/>
+                    <a:lumOff val="35000"/>
+                  </a:schemeClr>
+                </a:solidFill>
+              </a:rPr>
+              <a:t>It has a strong community</a:t>
+            </a:r>
+          </a:p>
+          <a:p>
+            <a:r>
+              <a:rPr lang="en-IN" sz="2400" dirty="0">
+                <a:solidFill>
+                  <a:schemeClr val="tx1">
+                    <a:lumMod val="65000"/>
+                    <a:lumOff val="35000"/>
+                  </a:schemeClr>
+                </a:solidFill>
+              </a:rPr>
+              <a:t>followed.</a:t>
+            </a:r>
+            <a:endParaRPr lang="en-IN" sz="3200" dirty="0">
               <a:solidFill>
                 <a:schemeClr val="tx1">
-                  <a:lumMod val="75000"/>
-                  <a:lumOff val="25000"/>
+                  <a:lumMod val="65000"/>
+                  <a:lumOff val="35000"/>
                 </a:schemeClr>
               </a:solidFill>
             </a:endParaRPr>
           </a:p>
-          <a:p>
-            <a:pPr marL="514350" indent="-514350" algn="l">
-              <a:buAutoNum type="arabicPeriod"/>
-            </a:pPr>
-            <a:r>
-              <a:rPr lang="en-US" dirty="0">
-                <a:solidFill>
-                  <a:schemeClr val="tx1">
-                    <a:lumMod val="75000"/>
-                    <a:lumOff val="25000"/>
-                  </a:schemeClr>
-                </a:solidFill>
-              </a:rPr>
-              <a:t>Postman</a:t>
-            </a:r>
-            <a:endParaRPr lang="en-IN" dirty="0">
-              <a:solidFill>
-                <a:schemeClr val="tx1">
-                  <a:lumMod val="75000"/>
-                  <a:lumOff val="25000"/>
-                </a:schemeClr>
-              </a:solidFill>
-            </a:endParaRPr>
-          </a:p>
-          <a:p>
-            <a:pPr marL="514350" indent="-514350" algn="l">
-              <a:buAutoNum type="arabicPeriod"/>
-            </a:pPr>
-            <a:r>
-              <a:rPr lang="en-US" dirty="0" err="1">
-                <a:solidFill>
-                  <a:schemeClr val="tx1">
-                    <a:lumMod val="75000"/>
-                    <a:lumOff val="25000"/>
-                  </a:schemeClr>
-                </a:solidFill>
-              </a:rPr>
-              <a:t>Figma</a:t>
-            </a:r>
-            <a:endParaRPr lang="en-US" dirty="0">
-              <a:solidFill>
-                <a:schemeClr val="tx1">
-                  <a:lumMod val="75000"/>
-                  <a:lumOff val="25000"/>
-                </a:schemeClr>
-              </a:solidFill>
-            </a:endParaRPr>
-          </a:p>
-          <a:p>
-            <a:pPr marL="514350" indent="-514350" algn="l">
-              <a:buAutoNum type="arabicPeriod"/>
-            </a:pPr>
-            <a:r>
-              <a:rPr lang="en-US" dirty="0">
-                <a:solidFill>
-                  <a:schemeClr val="tx1">
-                    <a:lumMod val="75000"/>
-                    <a:lumOff val="25000"/>
-                  </a:schemeClr>
-                </a:solidFill>
-              </a:rPr>
-              <a:t>MongoDB Compass</a:t>
-            </a:r>
-            <a:endParaRPr lang="en-IN" dirty="0">
-              <a:solidFill>
-                <a:schemeClr val="tx1">
-                  <a:lumMod val="75000"/>
-                  <a:lumOff val="25000"/>
-                </a:schemeClr>
-              </a:solidFill>
-            </a:endParaRPr>
-          </a:p>
-          <a:p>
-            <a:pPr marL="514350" indent="-514350" algn="l">
-              <a:buAutoNum type="arabicPeriod"/>
-            </a:pPr>
-            <a:r>
-              <a:rPr lang="en-US" dirty="0">
-                <a:solidFill>
-                  <a:schemeClr val="tx1">
-                    <a:lumMod val="75000"/>
-                    <a:lumOff val="25000"/>
-                  </a:schemeClr>
-                </a:solidFill>
-              </a:rPr>
-              <a:t>Robo3T</a:t>
-            </a:r>
-            <a:endParaRPr lang="en-IN" dirty="0">
-              <a:solidFill>
-                <a:schemeClr val="tx1">
-                  <a:lumMod val="75000"/>
-                  <a:lumOff val="25000"/>
-                </a:schemeClr>
-              </a:solidFill>
-            </a:endParaRPr>
-          </a:p>
         </p:txBody>
       </p:sp>
     </p:spTree>
     <p:extLst>
       <p:ext uri="{BB962C8B-B14F-4D97-AF65-F5344CB8AC3E}">
-        <p14:creationId xmlns:p14="http://schemas.microsoft.com/office/powerpoint/2010/main" val="667033849"/>
+        <p14:creationId xmlns:p14="http://schemas.microsoft.com/office/powerpoint/2010/main" val="2436030087"/>
       </p:ext>
     </p:extLst>
   </p:cSld>
@@ -4820,6 +4788,855 @@
         </p:nvSpPr>
         <p:spPr>
           <a:xfrm>
+            <a:off x="0" y="-714375"/>
+            <a:ext cx="12192000" cy="2981325"/>
+          </a:xfrm>
+          <a:prstGeom prst="rect">
+            <a:avLst/>
+          </a:prstGeom>
+        </p:spPr>
+        <p:style>
+          <a:lnRef idx="2">
+            <a:schemeClr val="accent1">
+              <a:shade val="50000"/>
+            </a:schemeClr>
+          </a:lnRef>
+          <a:fillRef idx="1">
+            <a:schemeClr val="accent1"/>
+          </a:fillRef>
+          <a:effectRef idx="0">
+            <a:schemeClr val="accent1"/>
+          </a:effectRef>
+          <a:fontRef idx="minor">
+            <a:schemeClr val="lt1"/>
+          </a:fontRef>
+        </p:style>
+        <p:txBody>
+          <a:bodyPr rtlCol="0" anchor="ctr"/>
+          <a:lstStyle/>
+          <a:p>
+            <a:pPr algn="ctr"/>
+            <a:endParaRPr lang="en-IN" dirty="0"/>
+          </a:p>
+        </p:txBody>
+      </p:sp>
+      <p:sp>
+        <p:nvSpPr>
+          <p:cNvPr id="5" name="Title 1">
+            <a:extLst>
+              <a:ext uri="{FF2B5EF4-FFF2-40B4-BE49-F238E27FC236}">
+                <a16:creationId xmlns:a16="http://schemas.microsoft.com/office/drawing/2014/main" id="{41A20B25-F493-4DA2-835D-54ECA2A0D804}"/>
+              </a:ext>
+            </a:extLst>
+          </p:cNvPr>
+          <p:cNvSpPr txBox="1">
+            <a:spLocks/>
+          </p:cNvSpPr>
+          <p:nvPr/>
+        </p:nvSpPr>
+        <p:spPr>
+          <a:xfrm>
+            <a:off x="476250" y="-42726"/>
+            <a:ext cx="4800600" cy="1128576"/>
+          </a:xfrm>
+          <a:prstGeom prst="rect">
+            <a:avLst/>
+          </a:prstGeom>
+        </p:spPr>
+        <p:txBody>
+          <a:bodyPr vert="horz" lIns="91440" tIns="45720" rIns="91440" bIns="45720" rtlCol="0" anchor="b">
+            <a:normAutofit/>
+          </a:bodyPr>
+          <a:lstStyle>
+            <a:lvl1pPr algn="ctr" defTabSz="914400" rtl="0" eaLnBrk="1" latinLnBrk="0" hangingPunct="1">
+              <a:lnSpc>
+                <a:spcPct val="90000"/>
+              </a:lnSpc>
+              <a:spcBef>
+                <a:spcPct val="0"/>
+              </a:spcBef>
+              <a:buNone/>
+              <a:defRPr sz="6000" kern="1200">
+                <a:solidFill>
+                  <a:schemeClr val="tx1"/>
+                </a:solidFill>
+                <a:latin typeface="+mj-lt"/>
+                <a:ea typeface="+mj-ea"/>
+                <a:cs typeface="+mj-cs"/>
+              </a:defRPr>
+            </a:lvl1pPr>
+          </a:lstStyle>
+          <a:p>
+            <a:pPr algn="l"/>
+            <a:endParaRPr lang="en-IN" dirty="0">
+              <a:solidFill>
+                <a:schemeClr val="bg1"/>
+              </a:solidFill>
+              <a:latin typeface="Bahnschrift Condensed" panose="020B0502040204020203" pitchFamily="34" charset="0"/>
+            </a:endParaRPr>
+          </a:p>
+        </p:txBody>
+      </p:sp>
+      <p:pic>
+        <p:nvPicPr>
+          <p:cNvPr id="6" name="Picture 5">
+            <a:extLst>
+              <a:ext uri="{FF2B5EF4-FFF2-40B4-BE49-F238E27FC236}">
+                <a16:creationId xmlns:a16="http://schemas.microsoft.com/office/drawing/2014/main" id="{C9A8F41A-7EE3-4AB9-BF96-919E8A8A3651}"/>
+              </a:ext>
+            </a:extLst>
+          </p:cNvPr>
+          <p:cNvPicPr>
+            <a:picLocks noChangeAspect="1"/>
+          </p:cNvPicPr>
+          <p:nvPr/>
+        </p:nvPicPr>
+        <p:blipFill>
+          <a:blip r:embed="rId2">
+            <a:extLst>
+              <a:ext uri="{28A0092B-C50C-407E-A947-70E740481C1C}">
+                <a14:useLocalDpi xmlns:a14="http://schemas.microsoft.com/office/drawing/2010/main" val="0"/>
+              </a:ext>
+            </a:extLst>
+          </a:blip>
+          <a:stretch>
+            <a:fillRect/>
+          </a:stretch>
+        </p:blipFill>
+        <p:spPr>
+          <a:xfrm>
+            <a:off x="1057275" y="93959"/>
+            <a:ext cx="5038725" cy="1364655"/>
+          </a:xfrm>
+          <a:prstGeom prst="rect">
+            <a:avLst/>
+          </a:prstGeom>
+        </p:spPr>
+      </p:pic>
+      <p:sp>
+        <p:nvSpPr>
+          <p:cNvPr id="2" name="TextBox 1">
+            <a:extLst>
+              <a:ext uri="{FF2B5EF4-FFF2-40B4-BE49-F238E27FC236}">
+                <a16:creationId xmlns:a16="http://schemas.microsoft.com/office/drawing/2014/main" id="{5E33FFF6-0EC0-4A7C-A3D8-D20BBF0FAC5B}"/>
+              </a:ext>
+            </a:extLst>
+          </p:cNvPr>
+          <p:cNvSpPr txBox="1"/>
+          <p:nvPr/>
+        </p:nvSpPr>
+        <p:spPr>
+          <a:xfrm>
+            <a:off x="790574" y="2847973"/>
+            <a:ext cx="4162425" cy="2677656"/>
+          </a:xfrm>
+          <a:prstGeom prst="rect">
+            <a:avLst/>
+          </a:prstGeom>
+          <a:noFill/>
+        </p:spPr>
+        <p:txBody>
+          <a:bodyPr wrap="square" rtlCol="0">
+            <a:spAutoFit/>
+          </a:bodyPr>
+          <a:lstStyle/>
+          <a:p>
+            <a:r>
+              <a:rPr lang="en-IN" sz="2400" dirty="0">
+                <a:solidFill>
+                  <a:schemeClr val="tx1">
+                    <a:lumMod val="65000"/>
+                    <a:lumOff val="35000"/>
+                  </a:schemeClr>
+                </a:solidFill>
+              </a:rPr>
+              <a:t>NodeJS is a runtime</a:t>
+            </a:r>
+          </a:p>
+          <a:p>
+            <a:r>
+              <a:rPr lang="en-IN" sz="2400" dirty="0" err="1">
+                <a:solidFill>
+                  <a:schemeClr val="tx1">
+                    <a:lumMod val="65000"/>
+                    <a:lumOff val="35000"/>
+                  </a:schemeClr>
+                </a:solidFill>
+              </a:rPr>
+              <a:t>javascript</a:t>
+            </a:r>
+            <a:r>
+              <a:rPr lang="en-IN" sz="2400" dirty="0">
+                <a:solidFill>
+                  <a:schemeClr val="tx1">
+                    <a:lumMod val="65000"/>
+                    <a:lumOff val="35000"/>
+                  </a:schemeClr>
+                </a:solidFill>
+              </a:rPr>
+              <a:t> environment that works</a:t>
+            </a:r>
+          </a:p>
+          <a:p>
+            <a:r>
+              <a:rPr lang="en-US" sz="2400" dirty="0">
+                <a:solidFill>
+                  <a:schemeClr val="tx1">
+                    <a:lumMod val="65000"/>
+                    <a:lumOff val="35000"/>
+                  </a:schemeClr>
+                </a:solidFill>
+              </a:rPr>
+              <a:t>outside the web page. It is mainly</a:t>
+            </a:r>
+          </a:p>
+          <a:p>
+            <a:r>
+              <a:rPr lang="en-IN" sz="2400" dirty="0">
+                <a:solidFill>
+                  <a:schemeClr val="tx1">
+                    <a:lumMod val="65000"/>
+                    <a:lumOff val="35000"/>
+                  </a:schemeClr>
+                </a:solidFill>
+              </a:rPr>
+              <a:t>used for server-side applications.</a:t>
+            </a:r>
+          </a:p>
+        </p:txBody>
+      </p:sp>
+      <p:sp>
+        <p:nvSpPr>
+          <p:cNvPr id="7" name="TextBox 6">
+            <a:extLst>
+              <a:ext uri="{FF2B5EF4-FFF2-40B4-BE49-F238E27FC236}">
+                <a16:creationId xmlns:a16="http://schemas.microsoft.com/office/drawing/2014/main" id="{52C40C6D-8EDA-42A0-ADA5-0630CF1C3A5F}"/>
+              </a:ext>
+            </a:extLst>
+          </p:cNvPr>
+          <p:cNvSpPr txBox="1"/>
+          <p:nvPr/>
+        </p:nvSpPr>
+        <p:spPr>
+          <a:xfrm>
+            <a:off x="6181725" y="2657475"/>
+            <a:ext cx="4343399" cy="3785652"/>
+          </a:xfrm>
+          <a:prstGeom prst="rect">
+            <a:avLst/>
+          </a:prstGeom>
+          <a:noFill/>
+        </p:spPr>
+        <p:txBody>
+          <a:bodyPr wrap="square" rtlCol="0">
+            <a:spAutoFit/>
+          </a:bodyPr>
+          <a:lstStyle/>
+          <a:p>
+            <a:endParaRPr lang="en-IN" sz="2400" dirty="0"/>
+          </a:p>
+          <a:p>
+            <a:r>
+              <a:rPr lang="en-US" sz="2400" dirty="0"/>
+              <a:t>*</a:t>
+            </a:r>
+            <a:r>
+              <a:rPr lang="en-US" sz="2400" dirty="0">
+                <a:solidFill>
+                  <a:schemeClr val="tx1">
+                    <a:lumMod val="65000"/>
+                    <a:lumOff val="35000"/>
+                  </a:schemeClr>
+                </a:solidFill>
+              </a:rPr>
+              <a:t>NodeJS is open source and it is free </a:t>
+            </a:r>
+            <a:r>
+              <a:rPr lang="en-IN" sz="2400" dirty="0">
+                <a:solidFill>
+                  <a:schemeClr val="tx1">
+                    <a:lumMod val="65000"/>
+                    <a:lumOff val="35000"/>
+                  </a:schemeClr>
+                </a:solidFill>
+              </a:rPr>
+              <a:t>of cost.</a:t>
+            </a:r>
+          </a:p>
+          <a:p>
+            <a:endParaRPr lang="en-IN" sz="2400" dirty="0">
+              <a:solidFill>
+                <a:schemeClr val="tx1">
+                  <a:lumMod val="65000"/>
+                  <a:lumOff val="35000"/>
+                </a:schemeClr>
+              </a:solidFill>
+            </a:endParaRPr>
+          </a:p>
+          <a:p>
+            <a:r>
+              <a:rPr lang="en-IN" sz="2400" dirty="0"/>
+              <a:t>*</a:t>
+            </a:r>
+            <a:r>
+              <a:rPr lang="en-IN" sz="2400" dirty="0">
+                <a:solidFill>
+                  <a:schemeClr val="tx1">
+                    <a:lumMod val="65000"/>
+                    <a:lumOff val="35000"/>
+                  </a:schemeClr>
+                </a:solidFill>
+              </a:rPr>
+              <a:t>NodeJS uses asynchronous</a:t>
+            </a:r>
+          </a:p>
+          <a:p>
+            <a:r>
+              <a:rPr lang="en-IN" sz="2400" dirty="0">
+                <a:solidFill>
+                  <a:schemeClr val="tx1">
+                    <a:lumMod val="65000"/>
+                    <a:lumOff val="35000"/>
+                  </a:schemeClr>
+                </a:solidFill>
+              </a:rPr>
+              <a:t>programming by default.</a:t>
+            </a:r>
+          </a:p>
+          <a:p>
+            <a:endParaRPr lang="en-IN" sz="2400" dirty="0"/>
+          </a:p>
+          <a:p>
+            <a:r>
+              <a:rPr lang="en-IN" sz="2400" dirty="0"/>
+              <a:t> * </a:t>
+            </a:r>
+            <a:r>
+              <a:rPr lang="en-IN" sz="2400" dirty="0">
+                <a:solidFill>
+                  <a:schemeClr val="tx1">
+                    <a:lumMod val="65000"/>
+                    <a:lumOff val="35000"/>
+                  </a:schemeClr>
+                </a:solidFill>
+              </a:rPr>
+              <a:t>NodeJS </a:t>
+            </a:r>
+            <a:r>
+              <a:rPr lang="en-US" sz="2400" dirty="0">
+                <a:solidFill>
+                  <a:schemeClr val="tx1">
+                    <a:lumMod val="65000"/>
+                    <a:lumOff val="35000"/>
+                  </a:schemeClr>
+                </a:solidFill>
+              </a:rPr>
+              <a:t>will always store the data in only</a:t>
+            </a:r>
+          </a:p>
+          <a:p>
+            <a:r>
+              <a:rPr lang="en-IN" sz="2400" dirty="0">
+                <a:solidFill>
+                  <a:schemeClr val="tx1">
+                    <a:lumMod val="65000"/>
+                    <a:lumOff val="35000"/>
+                  </a:schemeClr>
+                </a:solidFill>
+              </a:rPr>
+              <a:t>JSON format.</a:t>
+            </a:r>
+            <a:endParaRPr lang="en-IN" sz="3200" dirty="0">
+              <a:solidFill>
+                <a:schemeClr val="tx1">
+                  <a:lumMod val="65000"/>
+                  <a:lumOff val="35000"/>
+                </a:schemeClr>
+              </a:solidFill>
+            </a:endParaRPr>
+          </a:p>
+        </p:txBody>
+      </p:sp>
+    </p:spTree>
+    <p:extLst>
+      <p:ext uri="{BB962C8B-B14F-4D97-AF65-F5344CB8AC3E}">
+        <p14:creationId xmlns:p14="http://schemas.microsoft.com/office/powerpoint/2010/main" val="2807784771"/>
+      </p:ext>
+    </p:extLst>
+  </p:cSld>
+  <p:clrMapOvr>
+    <a:masterClrMapping/>
+  </p:clrMapOvr>
+</p:sld>
+</file>
+
+<file path=ppt/slides/slide13.xml><?xml version="1.0" encoding="utf-8"?>
+<p:sld xmlns:a="http://schemas.openxmlformats.org/drawingml/2006/main" xmlns:r="http://schemas.openxmlformats.org/officeDocument/2006/relationships" xmlns:p="http://schemas.openxmlformats.org/presentationml/2006/main">
+  <p:cSld>
+    <p:spTree>
+      <p:nvGrpSpPr>
+        <p:cNvPr id="1" name=""/>
+        <p:cNvGrpSpPr/>
+        <p:nvPr/>
+      </p:nvGrpSpPr>
+      <p:grpSpPr>
+        <a:xfrm>
+          <a:off x="0" y="0"/>
+          <a:ext cx="0" cy="0"/>
+          <a:chOff x="0" y="0"/>
+          <a:chExt cx="0" cy="0"/>
+        </a:xfrm>
+      </p:grpSpPr>
+      <p:sp>
+        <p:nvSpPr>
+          <p:cNvPr id="4" name="Rectangle 3">
+            <a:extLst>
+              <a:ext uri="{FF2B5EF4-FFF2-40B4-BE49-F238E27FC236}">
+                <a16:creationId xmlns:a16="http://schemas.microsoft.com/office/drawing/2014/main" id="{85A37C7B-1527-467B-949F-096FCE05FB11}"/>
+              </a:ext>
+            </a:extLst>
+          </p:cNvPr>
+          <p:cNvSpPr/>
+          <p:nvPr/>
+        </p:nvSpPr>
+        <p:spPr>
+          <a:xfrm>
+            <a:off x="0" y="-714375"/>
+            <a:ext cx="12192000" cy="2981325"/>
+          </a:xfrm>
+          <a:prstGeom prst="rect">
+            <a:avLst/>
+          </a:prstGeom>
+        </p:spPr>
+        <p:style>
+          <a:lnRef idx="2">
+            <a:schemeClr val="accent1">
+              <a:shade val="50000"/>
+            </a:schemeClr>
+          </a:lnRef>
+          <a:fillRef idx="1">
+            <a:schemeClr val="accent1"/>
+          </a:fillRef>
+          <a:effectRef idx="0">
+            <a:schemeClr val="accent1"/>
+          </a:effectRef>
+          <a:fontRef idx="minor">
+            <a:schemeClr val="lt1"/>
+          </a:fontRef>
+        </p:style>
+        <p:txBody>
+          <a:bodyPr rtlCol="0" anchor="ctr"/>
+          <a:lstStyle/>
+          <a:p>
+            <a:pPr algn="ctr"/>
+            <a:endParaRPr lang="en-IN"/>
+          </a:p>
+        </p:txBody>
+      </p:sp>
+      <p:sp>
+        <p:nvSpPr>
+          <p:cNvPr id="2" name="Title 1">
+            <a:extLst>
+              <a:ext uri="{FF2B5EF4-FFF2-40B4-BE49-F238E27FC236}">
+                <a16:creationId xmlns:a16="http://schemas.microsoft.com/office/drawing/2014/main" id="{A7F0CA62-FCD8-4A5F-978B-DA8DD61D7B9A}"/>
+              </a:ext>
+            </a:extLst>
+          </p:cNvPr>
+          <p:cNvSpPr>
+            <a:spLocks noGrp="1"/>
+          </p:cNvSpPr>
+          <p:nvPr>
+            <p:ph type="ctrTitle"/>
+          </p:nvPr>
+        </p:nvSpPr>
+        <p:spPr>
+          <a:xfrm>
+            <a:off x="485775" y="128723"/>
+            <a:ext cx="6362700" cy="1157151"/>
+          </a:xfrm>
+        </p:spPr>
+        <p:txBody>
+          <a:bodyPr>
+            <a:normAutofit fontScale="90000"/>
+          </a:bodyPr>
+          <a:lstStyle/>
+          <a:p>
+            <a:pPr algn="l"/>
+            <a:r>
+              <a:rPr lang="en-US" dirty="0">
+                <a:solidFill>
+                  <a:schemeClr val="bg1"/>
+                </a:solidFill>
+                <a:latin typeface="Bahnschrift Condensed" panose="020B0502040204020203" pitchFamily="34" charset="0"/>
+              </a:rPr>
+              <a:t>Software And Tools Used</a:t>
+            </a:r>
+            <a:endParaRPr lang="en-IN" dirty="0">
+              <a:solidFill>
+                <a:schemeClr val="bg1"/>
+              </a:solidFill>
+              <a:latin typeface="Bahnschrift Condensed" panose="020B0502040204020203" pitchFamily="34" charset="0"/>
+            </a:endParaRPr>
+          </a:p>
+        </p:txBody>
+      </p:sp>
+      <p:sp>
+        <p:nvSpPr>
+          <p:cNvPr id="7" name="Subtitle 2">
+            <a:extLst>
+              <a:ext uri="{FF2B5EF4-FFF2-40B4-BE49-F238E27FC236}">
+                <a16:creationId xmlns:a16="http://schemas.microsoft.com/office/drawing/2014/main" id="{C727C305-BF82-4EBF-BD47-13C708A4AAB9}"/>
+              </a:ext>
+            </a:extLst>
+          </p:cNvPr>
+          <p:cNvSpPr txBox="1">
+            <a:spLocks/>
+          </p:cNvSpPr>
+          <p:nvPr/>
+        </p:nvSpPr>
+        <p:spPr>
+          <a:xfrm>
+            <a:off x="361950" y="2400300"/>
+            <a:ext cx="11296650" cy="3790950"/>
+          </a:xfrm>
+          <a:prstGeom prst="rect">
+            <a:avLst/>
+          </a:prstGeom>
+        </p:spPr>
+        <p:txBody>
+          <a:bodyPr vert="horz" lIns="91440" tIns="45720" rIns="91440" bIns="45720" rtlCol="0">
+            <a:normAutofit/>
+          </a:bodyPr>
+          <a:lstStyle>
+            <a:lvl1pPr marL="0" indent="0" algn="ctr" defTabSz="914400" rtl="0" eaLnBrk="1" latinLnBrk="0" hangingPunct="1">
+              <a:lnSpc>
+                <a:spcPct val="90000"/>
+              </a:lnSpc>
+              <a:spcBef>
+                <a:spcPts val="1000"/>
+              </a:spcBef>
+              <a:buFont typeface="Arial" panose="020B0604020202020204" pitchFamily="34" charset="0"/>
+              <a:buNone/>
+              <a:defRPr sz="2400" kern="1200">
+                <a:solidFill>
+                  <a:schemeClr val="tx1"/>
+                </a:solidFill>
+                <a:latin typeface="+mn-lt"/>
+                <a:ea typeface="+mn-ea"/>
+                <a:cs typeface="+mn-cs"/>
+              </a:defRPr>
+            </a:lvl1pPr>
+            <a:lvl2pPr marL="457200" indent="0" algn="ctr" defTabSz="914400" rtl="0" eaLnBrk="1" latinLnBrk="0" hangingPunct="1">
+              <a:lnSpc>
+                <a:spcPct val="90000"/>
+              </a:lnSpc>
+              <a:spcBef>
+                <a:spcPts val="500"/>
+              </a:spcBef>
+              <a:buFont typeface="Arial" panose="020B0604020202020204" pitchFamily="34" charset="0"/>
+              <a:buNone/>
+              <a:defRPr sz="2000" kern="1200">
+                <a:solidFill>
+                  <a:schemeClr val="tx1"/>
+                </a:solidFill>
+                <a:latin typeface="+mn-lt"/>
+                <a:ea typeface="+mn-ea"/>
+                <a:cs typeface="+mn-cs"/>
+              </a:defRPr>
+            </a:lvl2pPr>
+            <a:lvl3pPr marL="914400" indent="0" algn="ctr" defTabSz="914400" rtl="0" eaLnBrk="1" latinLnBrk="0" hangingPunct="1">
+              <a:lnSpc>
+                <a:spcPct val="90000"/>
+              </a:lnSpc>
+              <a:spcBef>
+                <a:spcPts val="500"/>
+              </a:spcBef>
+              <a:buFont typeface="Arial" panose="020B0604020202020204" pitchFamily="34" charset="0"/>
+              <a:buNone/>
+              <a:defRPr sz="1800" kern="1200">
+                <a:solidFill>
+                  <a:schemeClr val="tx1"/>
+                </a:solidFill>
+                <a:latin typeface="+mn-lt"/>
+                <a:ea typeface="+mn-ea"/>
+                <a:cs typeface="+mn-cs"/>
+              </a:defRPr>
+            </a:lvl3pPr>
+            <a:lvl4pPr marL="1371600" indent="0" algn="ctr" defTabSz="914400" rtl="0" eaLnBrk="1" latinLnBrk="0" hangingPunct="1">
+              <a:lnSpc>
+                <a:spcPct val="90000"/>
+              </a:lnSpc>
+              <a:spcBef>
+                <a:spcPts val="500"/>
+              </a:spcBef>
+              <a:buFont typeface="Arial" panose="020B0604020202020204" pitchFamily="34" charset="0"/>
+              <a:buNone/>
+              <a:defRPr sz="1600" kern="1200">
+                <a:solidFill>
+                  <a:schemeClr val="tx1"/>
+                </a:solidFill>
+                <a:latin typeface="+mn-lt"/>
+                <a:ea typeface="+mn-ea"/>
+                <a:cs typeface="+mn-cs"/>
+              </a:defRPr>
+            </a:lvl4pPr>
+            <a:lvl5pPr marL="1828800" indent="0" algn="ctr" defTabSz="914400" rtl="0" eaLnBrk="1" latinLnBrk="0" hangingPunct="1">
+              <a:lnSpc>
+                <a:spcPct val="90000"/>
+              </a:lnSpc>
+              <a:spcBef>
+                <a:spcPts val="500"/>
+              </a:spcBef>
+              <a:buFont typeface="Arial" panose="020B0604020202020204" pitchFamily="34" charset="0"/>
+              <a:buNone/>
+              <a:defRPr sz="1600" kern="1200">
+                <a:solidFill>
+                  <a:schemeClr val="tx1"/>
+                </a:solidFill>
+                <a:latin typeface="+mn-lt"/>
+                <a:ea typeface="+mn-ea"/>
+                <a:cs typeface="+mn-cs"/>
+              </a:defRPr>
+            </a:lvl5pPr>
+            <a:lvl6pPr marL="2286000" indent="0" algn="ctr" defTabSz="914400" rtl="0" eaLnBrk="1" latinLnBrk="0" hangingPunct="1">
+              <a:lnSpc>
+                <a:spcPct val="90000"/>
+              </a:lnSpc>
+              <a:spcBef>
+                <a:spcPts val="500"/>
+              </a:spcBef>
+              <a:buFont typeface="Arial" panose="020B0604020202020204" pitchFamily="34" charset="0"/>
+              <a:buNone/>
+              <a:defRPr sz="1600" kern="1200">
+                <a:solidFill>
+                  <a:schemeClr val="tx1"/>
+                </a:solidFill>
+                <a:latin typeface="+mn-lt"/>
+                <a:ea typeface="+mn-ea"/>
+                <a:cs typeface="+mn-cs"/>
+              </a:defRPr>
+            </a:lvl6pPr>
+            <a:lvl7pPr marL="2743200" indent="0" algn="ctr" defTabSz="914400" rtl="0" eaLnBrk="1" latinLnBrk="0" hangingPunct="1">
+              <a:lnSpc>
+                <a:spcPct val="90000"/>
+              </a:lnSpc>
+              <a:spcBef>
+                <a:spcPts val="500"/>
+              </a:spcBef>
+              <a:buFont typeface="Arial" panose="020B0604020202020204" pitchFamily="34" charset="0"/>
+              <a:buNone/>
+              <a:defRPr sz="1600" kern="1200">
+                <a:solidFill>
+                  <a:schemeClr val="tx1"/>
+                </a:solidFill>
+                <a:latin typeface="+mn-lt"/>
+                <a:ea typeface="+mn-ea"/>
+                <a:cs typeface="+mn-cs"/>
+              </a:defRPr>
+            </a:lvl7pPr>
+            <a:lvl8pPr marL="3200400" indent="0" algn="ctr" defTabSz="914400" rtl="0" eaLnBrk="1" latinLnBrk="0" hangingPunct="1">
+              <a:lnSpc>
+                <a:spcPct val="90000"/>
+              </a:lnSpc>
+              <a:spcBef>
+                <a:spcPts val="500"/>
+              </a:spcBef>
+              <a:buFont typeface="Arial" panose="020B0604020202020204" pitchFamily="34" charset="0"/>
+              <a:buNone/>
+              <a:defRPr sz="1600" kern="1200">
+                <a:solidFill>
+                  <a:schemeClr val="tx1"/>
+                </a:solidFill>
+                <a:latin typeface="+mn-lt"/>
+                <a:ea typeface="+mn-ea"/>
+                <a:cs typeface="+mn-cs"/>
+              </a:defRPr>
+            </a:lvl8pPr>
+            <a:lvl9pPr marL="3657600" indent="0" algn="ctr" defTabSz="914400" rtl="0" eaLnBrk="1" latinLnBrk="0" hangingPunct="1">
+              <a:lnSpc>
+                <a:spcPct val="90000"/>
+              </a:lnSpc>
+              <a:spcBef>
+                <a:spcPts val="500"/>
+              </a:spcBef>
+              <a:buFont typeface="Arial" panose="020B0604020202020204" pitchFamily="34" charset="0"/>
+              <a:buNone/>
+              <a:defRPr sz="1600" kern="1200">
+                <a:solidFill>
+                  <a:schemeClr val="tx1"/>
+                </a:solidFill>
+                <a:latin typeface="+mn-lt"/>
+                <a:ea typeface="+mn-ea"/>
+                <a:cs typeface="+mn-cs"/>
+              </a:defRPr>
+            </a:lvl9pPr>
+          </a:lstStyle>
+          <a:p>
+            <a:pPr marL="514350" indent="-514350" algn="l">
+              <a:buAutoNum type="arabicPeriod"/>
+            </a:pPr>
+            <a:r>
+              <a:rPr lang="en-US" dirty="0">
+                <a:solidFill>
+                  <a:schemeClr val="tx1">
+                    <a:lumMod val="75000"/>
+                    <a:lumOff val="25000"/>
+                  </a:schemeClr>
+                </a:solidFill>
+              </a:rPr>
+              <a:t>VS Code Editor</a:t>
+            </a:r>
+            <a:endParaRPr lang="en-IN" dirty="0">
+              <a:solidFill>
+                <a:schemeClr val="tx1">
+                  <a:lumMod val="75000"/>
+                  <a:lumOff val="25000"/>
+                </a:schemeClr>
+              </a:solidFill>
+            </a:endParaRPr>
+          </a:p>
+          <a:p>
+            <a:pPr marL="514350" indent="-514350" algn="l">
+              <a:buAutoNum type="arabicPeriod"/>
+            </a:pPr>
+            <a:r>
+              <a:rPr lang="en-US" dirty="0">
+                <a:solidFill>
+                  <a:schemeClr val="tx1">
+                    <a:lumMod val="75000"/>
+                    <a:lumOff val="25000"/>
+                  </a:schemeClr>
+                </a:solidFill>
+              </a:rPr>
+              <a:t>Postman</a:t>
+            </a:r>
+            <a:endParaRPr lang="en-IN" dirty="0">
+              <a:solidFill>
+                <a:schemeClr val="tx1">
+                  <a:lumMod val="75000"/>
+                  <a:lumOff val="25000"/>
+                </a:schemeClr>
+              </a:solidFill>
+            </a:endParaRPr>
+          </a:p>
+          <a:p>
+            <a:pPr marL="514350" indent="-514350" algn="l">
+              <a:buAutoNum type="arabicPeriod"/>
+            </a:pPr>
+            <a:r>
+              <a:rPr lang="en-US" dirty="0" err="1">
+                <a:solidFill>
+                  <a:schemeClr val="tx1">
+                    <a:lumMod val="75000"/>
+                    <a:lumOff val="25000"/>
+                  </a:schemeClr>
+                </a:solidFill>
+              </a:rPr>
+              <a:t>Figma</a:t>
+            </a:r>
+            <a:endParaRPr lang="en-US" dirty="0">
+              <a:solidFill>
+                <a:schemeClr val="tx1">
+                  <a:lumMod val="75000"/>
+                  <a:lumOff val="25000"/>
+                </a:schemeClr>
+              </a:solidFill>
+            </a:endParaRPr>
+          </a:p>
+          <a:p>
+            <a:pPr marL="514350" indent="-514350" algn="l">
+              <a:buAutoNum type="arabicPeriod"/>
+            </a:pPr>
+            <a:r>
+              <a:rPr lang="en-US" dirty="0">
+                <a:solidFill>
+                  <a:schemeClr val="tx1">
+                    <a:lumMod val="75000"/>
+                    <a:lumOff val="25000"/>
+                  </a:schemeClr>
+                </a:solidFill>
+              </a:rPr>
+              <a:t>MongoDB Compass</a:t>
+            </a:r>
+            <a:endParaRPr lang="en-IN" dirty="0">
+              <a:solidFill>
+                <a:schemeClr val="tx1">
+                  <a:lumMod val="75000"/>
+                  <a:lumOff val="25000"/>
+                </a:schemeClr>
+              </a:solidFill>
+            </a:endParaRPr>
+          </a:p>
+          <a:p>
+            <a:pPr marL="514350" indent="-514350" algn="l">
+              <a:buAutoNum type="arabicPeriod"/>
+            </a:pPr>
+            <a:r>
+              <a:rPr lang="en-US" dirty="0">
+                <a:solidFill>
+                  <a:schemeClr val="tx1">
+                    <a:lumMod val="75000"/>
+                    <a:lumOff val="25000"/>
+                  </a:schemeClr>
+                </a:solidFill>
+              </a:rPr>
+              <a:t>Robo3T</a:t>
+            </a:r>
+            <a:endParaRPr lang="en-IN" dirty="0">
+              <a:solidFill>
+                <a:schemeClr val="tx1">
+                  <a:lumMod val="75000"/>
+                  <a:lumOff val="25000"/>
+                </a:schemeClr>
+              </a:solidFill>
+            </a:endParaRPr>
+          </a:p>
+        </p:txBody>
+      </p:sp>
+    </p:spTree>
+    <p:extLst>
+      <p:ext uri="{BB962C8B-B14F-4D97-AF65-F5344CB8AC3E}">
+        <p14:creationId xmlns:p14="http://schemas.microsoft.com/office/powerpoint/2010/main" val="667033849"/>
+      </p:ext>
+    </p:extLst>
+  </p:cSld>
+  <p:clrMapOvr>
+    <a:masterClrMapping/>
+  </p:clrMapOvr>
+</p:sld>
+</file>
+
+<file path=ppt/slides/slide14.xml><?xml version="1.0" encoding="utf-8"?>
+<p:sld xmlns:a="http://schemas.openxmlformats.org/drawingml/2006/main" xmlns:r="http://schemas.openxmlformats.org/officeDocument/2006/relationships" xmlns:p="http://schemas.openxmlformats.org/presentationml/2006/main">
+  <p:cSld>
+    <p:spTree>
+      <p:nvGrpSpPr>
+        <p:cNvPr id="1" name=""/>
+        <p:cNvGrpSpPr/>
+        <p:nvPr/>
+      </p:nvGrpSpPr>
+      <p:grpSpPr>
+        <a:xfrm>
+          <a:off x="0" y="0"/>
+          <a:ext cx="0" cy="0"/>
+          <a:chOff x="0" y="0"/>
+          <a:chExt cx="0" cy="0"/>
+        </a:xfrm>
+      </p:grpSpPr>
+      <p:sp>
+        <p:nvSpPr>
+          <p:cNvPr id="4" name="Rectangle 3">
+            <a:extLst>
+              <a:ext uri="{FF2B5EF4-FFF2-40B4-BE49-F238E27FC236}">
+                <a16:creationId xmlns:a16="http://schemas.microsoft.com/office/drawing/2014/main" id="{85A37C7B-1527-467B-949F-096FCE05FB11}"/>
+              </a:ext>
+            </a:extLst>
+          </p:cNvPr>
+          <p:cNvSpPr/>
+          <p:nvPr/>
+        </p:nvSpPr>
+        <p:spPr>
+          <a:xfrm>
             <a:off x="0" y="0"/>
             <a:ext cx="12192000" cy="2981325"/>
           </a:xfrm>
@@ -5466,7 +6283,7 @@
 </p:sld>
 </file>
 
-<file path=ppt/slides/slide13.xml><?xml version="1.0" encoding="utf-8"?>
+<file path=ppt/slides/slide15.xml><?xml version="1.0" encoding="utf-8"?>
 <p:sld xmlns:a="http://schemas.openxmlformats.org/drawingml/2006/main" xmlns:r="http://schemas.openxmlformats.org/officeDocument/2006/relationships" xmlns:p="http://schemas.openxmlformats.org/presentationml/2006/main">
   <p:cSld>
     <p:spTree>
@@ -5738,7 +6555,7 @@
 </p:sld>
 </file>
 
-<file path=ppt/slides/slide14.xml><?xml version="1.0" encoding="utf-8"?>
+<file path=ppt/slides/slide16.xml><?xml version="1.0" encoding="utf-8"?>
 <p:sld xmlns:a="http://schemas.openxmlformats.org/drawingml/2006/main" xmlns:r="http://schemas.openxmlformats.org/officeDocument/2006/relationships" xmlns:p="http://schemas.openxmlformats.org/presentationml/2006/main">
   <p:cSld>
     <p:spTree>
@@ -5795,138 +6612,6 @@
     <p:extLst>
       <p:ext uri="{BB962C8B-B14F-4D97-AF65-F5344CB8AC3E}">
         <p14:creationId xmlns:p14="http://schemas.microsoft.com/office/powerpoint/2010/main" val="3159974714"/>
-      </p:ext>
-    </p:extLst>
-  </p:cSld>
-  <p:clrMapOvr>
-    <a:masterClrMapping/>
-  </p:clrMapOvr>
-</p:sld>
-</file>
-
-<file path=ppt/slides/slide15.xml><?xml version="1.0" encoding="utf-8"?>
-<p:sld xmlns:a="http://schemas.openxmlformats.org/drawingml/2006/main" xmlns:r="http://schemas.openxmlformats.org/officeDocument/2006/relationships" xmlns:p="http://schemas.openxmlformats.org/presentationml/2006/main">
-  <p:cSld>
-    <p:spTree>
-      <p:nvGrpSpPr>
-        <p:cNvPr id="1" name=""/>
-        <p:cNvGrpSpPr/>
-        <p:nvPr/>
-      </p:nvGrpSpPr>
-      <p:grpSpPr>
-        <a:xfrm>
-          <a:off x="0" y="0"/>
-          <a:ext cx="0" cy="0"/>
-          <a:chOff x="0" y="0"/>
-          <a:chExt cx="0" cy="0"/>
-        </a:xfrm>
-      </p:grpSpPr>
-      <p:pic>
-        <p:nvPicPr>
-          <p:cNvPr id="4" name="Picture 3">
-            <a:extLst>
-              <a:ext uri="{FF2B5EF4-FFF2-40B4-BE49-F238E27FC236}">
-                <a16:creationId xmlns:a16="http://schemas.microsoft.com/office/drawing/2014/main" id="{A84797FC-C0E7-4F64-81AA-D2E460E81571}"/>
-              </a:ext>
-            </a:extLst>
-          </p:cNvPr>
-          <p:cNvPicPr>
-            <a:picLocks noChangeAspect="1"/>
-          </p:cNvPicPr>
-          <p:nvPr/>
-        </p:nvPicPr>
-        <p:blipFill>
-          <a:blip r:embed="rId2">
-            <a:extLst>
-              <a:ext uri="{28A0092B-C50C-407E-A947-70E740481C1C}">
-                <a14:useLocalDpi xmlns:a14="http://schemas.microsoft.com/office/drawing/2010/main" val="0"/>
-              </a:ext>
-            </a:extLst>
-          </a:blip>
-          <a:stretch>
-            <a:fillRect/>
-          </a:stretch>
-        </p:blipFill>
-        <p:spPr>
-          <a:xfrm>
-            <a:off x="0" y="0"/>
-            <a:ext cx="12192000" cy="6858000"/>
-          </a:xfrm>
-          <a:prstGeom prst="rect">
-            <a:avLst/>
-          </a:prstGeom>
-        </p:spPr>
-      </p:pic>
-    </p:spTree>
-    <p:extLst>
-      <p:ext uri="{BB962C8B-B14F-4D97-AF65-F5344CB8AC3E}">
-        <p14:creationId xmlns:p14="http://schemas.microsoft.com/office/powerpoint/2010/main" val="3810447831"/>
-      </p:ext>
-    </p:extLst>
-  </p:cSld>
-  <p:clrMapOvr>
-    <a:masterClrMapping/>
-  </p:clrMapOvr>
-</p:sld>
-</file>
-
-<file path=ppt/slides/slide16.xml><?xml version="1.0" encoding="utf-8"?>
-<p:sld xmlns:a="http://schemas.openxmlformats.org/drawingml/2006/main" xmlns:r="http://schemas.openxmlformats.org/officeDocument/2006/relationships" xmlns:p="http://schemas.openxmlformats.org/presentationml/2006/main">
-  <p:cSld>
-    <p:spTree>
-      <p:nvGrpSpPr>
-        <p:cNvPr id="1" name=""/>
-        <p:cNvGrpSpPr/>
-        <p:nvPr/>
-      </p:nvGrpSpPr>
-      <p:grpSpPr>
-        <a:xfrm>
-          <a:off x="0" y="0"/>
-          <a:ext cx="0" cy="0"/>
-          <a:chOff x="0" y="0"/>
-          <a:chExt cx="0" cy="0"/>
-        </a:xfrm>
-      </p:grpSpPr>
-      <p:pic>
-        <p:nvPicPr>
-          <p:cNvPr id="6" name="Picture 5">
-            <a:extLst>
-              <a:ext uri="{FF2B5EF4-FFF2-40B4-BE49-F238E27FC236}">
-                <a16:creationId xmlns:a16="http://schemas.microsoft.com/office/drawing/2014/main" id="{0AE5213C-5AB1-49D6-BD20-A582DB3E6142}"/>
-              </a:ext>
-            </a:extLst>
-          </p:cNvPr>
-          <p:cNvPicPr>
-            <a:picLocks noChangeAspect="1"/>
-          </p:cNvPicPr>
-          <p:nvPr/>
-        </p:nvPicPr>
-        <p:blipFill>
-          <a:blip r:embed="rId2">
-            <a:extLst>
-              <a:ext uri="{28A0092B-C50C-407E-A947-70E740481C1C}">
-                <a14:useLocalDpi xmlns:a14="http://schemas.microsoft.com/office/drawing/2010/main" val="0"/>
-              </a:ext>
-            </a:extLst>
-          </a:blip>
-          <a:stretch>
-            <a:fillRect/>
-          </a:stretch>
-        </p:blipFill>
-        <p:spPr>
-          <a:xfrm>
-            <a:off x="0" y="0"/>
-            <a:ext cx="12192000" cy="6858000"/>
-          </a:xfrm>
-          <a:prstGeom prst="rect">
-            <a:avLst/>
-          </a:prstGeom>
-        </p:spPr>
-      </p:pic>
-    </p:spTree>
-    <p:extLst>
-      <p:ext uri="{BB962C8B-B14F-4D97-AF65-F5344CB8AC3E}">
-        <p14:creationId xmlns:p14="http://schemas.microsoft.com/office/powerpoint/2010/main" val="716942368"/>
       </p:ext>
     </p:extLst>
   </p:cSld>
@@ -5958,6 +6643,138 @@
           <p:cNvPr id="4" name="Picture 3">
             <a:extLst>
               <a:ext uri="{FF2B5EF4-FFF2-40B4-BE49-F238E27FC236}">
+                <a16:creationId xmlns:a16="http://schemas.microsoft.com/office/drawing/2014/main" id="{A84797FC-C0E7-4F64-81AA-D2E460E81571}"/>
+              </a:ext>
+            </a:extLst>
+          </p:cNvPr>
+          <p:cNvPicPr>
+            <a:picLocks noChangeAspect="1"/>
+          </p:cNvPicPr>
+          <p:nvPr/>
+        </p:nvPicPr>
+        <p:blipFill>
+          <a:blip r:embed="rId2">
+            <a:extLst>
+              <a:ext uri="{28A0092B-C50C-407E-A947-70E740481C1C}">
+                <a14:useLocalDpi xmlns:a14="http://schemas.microsoft.com/office/drawing/2010/main" val="0"/>
+              </a:ext>
+            </a:extLst>
+          </a:blip>
+          <a:stretch>
+            <a:fillRect/>
+          </a:stretch>
+        </p:blipFill>
+        <p:spPr>
+          <a:xfrm>
+            <a:off x="0" y="0"/>
+            <a:ext cx="12192000" cy="6858000"/>
+          </a:xfrm>
+          <a:prstGeom prst="rect">
+            <a:avLst/>
+          </a:prstGeom>
+        </p:spPr>
+      </p:pic>
+    </p:spTree>
+    <p:extLst>
+      <p:ext uri="{BB962C8B-B14F-4D97-AF65-F5344CB8AC3E}">
+        <p14:creationId xmlns:p14="http://schemas.microsoft.com/office/powerpoint/2010/main" val="3810447831"/>
+      </p:ext>
+    </p:extLst>
+  </p:cSld>
+  <p:clrMapOvr>
+    <a:masterClrMapping/>
+  </p:clrMapOvr>
+</p:sld>
+</file>
+
+<file path=ppt/slides/slide18.xml><?xml version="1.0" encoding="utf-8"?>
+<p:sld xmlns:a="http://schemas.openxmlformats.org/drawingml/2006/main" xmlns:r="http://schemas.openxmlformats.org/officeDocument/2006/relationships" xmlns:p="http://schemas.openxmlformats.org/presentationml/2006/main">
+  <p:cSld>
+    <p:spTree>
+      <p:nvGrpSpPr>
+        <p:cNvPr id="1" name=""/>
+        <p:cNvGrpSpPr/>
+        <p:nvPr/>
+      </p:nvGrpSpPr>
+      <p:grpSpPr>
+        <a:xfrm>
+          <a:off x="0" y="0"/>
+          <a:ext cx="0" cy="0"/>
+          <a:chOff x="0" y="0"/>
+          <a:chExt cx="0" cy="0"/>
+        </a:xfrm>
+      </p:grpSpPr>
+      <p:pic>
+        <p:nvPicPr>
+          <p:cNvPr id="6" name="Picture 5">
+            <a:extLst>
+              <a:ext uri="{FF2B5EF4-FFF2-40B4-BE49-F238E27FC236}">
+                <a16:creationId xmlns:a16="http://schemas.microsoft.com/office/drawing/2014/main" id="{0AE5213C-5AB1-49D6-BD20-A582DB3E6142}"/>
+              </a:ext>
+            </a:extLst>
+          </p:cNvPr>
+          <p:cNvPicPr>
+            <a:picLocks noChangeAspect="1"/>
+          </p:cNvPicPr>
+          <p:nvPr/>
+        </p:nvPicPr>
+        <p:blipFill>
+          <a:blip r:embed="rId2">
+            <a:extLst>
+              <a:ext uri="{28A0092B-C50C-407E-A947-70E740481C1C}">
+                <a14:useLocalDpi xmlns:a14="http://schemas.microsoft.com/office/drawing/2010/main" val="0"/>
+              </a:ext>
+            </a:extLst>
+          </a:blip>
+          <a:stretch>
+            <a:fillRect/>
+          </a:stretch>
+        </p:blipFill>
+        <p:spPr>
+          <a:xfrm>
+            <a:off x="0" y="0"/>
+            <a:ext cx="12192000" cy="6858000"/>
+          </a:xfrm>
+          <a:prstGeom prst="rect">
+            <a:avLst/>
+          </a:prstGeom>
+        </p:spPr>
+      </p:pic>
+    </p:spTree>
+    <p:extLst>
+      <p:ext uri="{BB962C8B-B14F-4D97-AF65-F5344CB8AC3E}">
+        <p14:creationId xmlns:p14="http://schemas.microsoft.com/office/powerpoint/2010/main" val="716942368"/>
+      </p:ext>
+    </p:extLst>
+  </p:cSld>
+  <p:clrMapOvr>
+    <a:masterClrMapping/>
+  </p:clrMapOvr>
+</p:sld>
+</file>
+
+<file path=ppt/slides/slide19.xml><?xml version="1.0" encoding="utf-8"?>
+<p:sld xmlns:a="http://schemas.openxmlformats.org/drawingml/2006/main" xmlns:r="http://schemas.openxmlformats.org/officeDocument/2006/relationships" xmlns:p="http://schemas.openxmlformats.org/presentationml/2006/main">
+  <p:cSld>
+    <p:spTree>
+      <p:nvGrpSpPr>
+        <p:cNvPr id="1" name=""/>
+        <p:cNvGrpSpPr/>
+        <p:nvPr/>
+      </p:nvGrpSpPr>
+      <p:grpSpPr>
+        <a:xfrm>
+          <a:off x="0" y="0"/>
+          <a:ext cx="0" cy="0"/>
+          <a:chOff x="0" y="0"/>
+          <a:chExt cx="0" cy="0"/>
+        </a:xfrm>
+      </p:grpSpPr>
+      <p:pic>
+        <p:nvPicPr>
+          <p:cNvPr id="4" name="Picture 3">
+            <a:extLst>
+              <a:ext uri="{FF2B5EF4-FFF2-40B4-BE49-F238E27FC236}">
                 <a16:creationId xmlns:a16="http://schemas.microsoft.com/office/drawing/2014/main" id="{45D221FB-621B-45BD-8E10-D3F34E8A7E74}"/>
               </a:ext>
             </a:extLst>
@@ -6002,7 +6819,301 @@
 </p:sld>
 </file>
 
-<file path=ppt/slides/slide18.xml><?xml version="1.0" encoding="utf-8"?>
+<file path=ppt/slides/slide2.xml><?xml version="1.0" encoding="utf-8"?>
+<p:sld xmlns:a="http://schemas.openxmlformats.org/drawingml/2006/main" xmlns:r="http://schemas.openxmlformats.org/officeDocument/2006/relationships" xmlns:p="http://schemas.openxmlformats.org/presentationml/2006/main">
+  <p:cSld>
+    <p:spTree>
+      <p:nvGrpSpPr>
+        <p:cNvPr id="1" name=""/>
+        <p:cNvGrpSpPr/>
+        <p:nvPr/>
+      </p:nvGrpSpPr>
+      <p:grpSpPr>
+        <a:xfrm>
+          <a:off x="0" y="0"/>
+          <a:ext cx="0" cy="0"/>
+          <a:chOff x="0" y="0"/>
+          <a:chExt cx="0" cy="0"/>
+        </a:xfrm>
+      </p:grpSpPr>
+      <p:sp>
+        <p:nvSpPr>
+          <p:cNvPr id="4" name="Rectangle 3">
+            <a:extLst>
+              <a:ext uri="{FF2B5EF4-FFF2-40B4-BE49-F238E27FC236}">
+                <a16:creationId xmlns:a16="http://schemas.microsoft.com/office/drawing/2014/main" id="{85A37C7B-1527-467B-949F-096FCE05FB11}"/>
+              </a:ext>
+            </a:extLst>
+          </p:cNvPr>
+          <p:cNvSpPr/>
+          <p:nvPr/>
+        </p:nvSpPr>
+        <p:spPr>
+          <a:xfrm>
+            <a:off x="0" y="-123825"/>
+            <a:ext cx="12192000" cy="2962275"/>
+          </a:xfrm>
+          <a:prstGeom prst="rect">
+            <a:avLst/>
+          </a:prstGeom>
+        </p:spPr>
+        <p:style>
+          <a:lnRef idx="2">
+            <a:schemeClr val="accent1">
+              <a:shade val="50000"/>
+            </a:schemeClr>
+          </a:lnRef>
+          <a:fillRef idx="1">
+            <a:schemeClr val="accent1"/>
+          </a:fillRef>
+          <a:effectRef idx="0">
+            <a:schemeClr val="accent1"/>
+          </a:effectRef>
+          <a:fontRef idx="minor">
+            <a:schemeClr val="lt1"/>
+          </a:fontRef>
+        </p:style>
+        <p:txBody>
+          <a:bodyPr rtlCol="0" anchor="ctr"/>
+          <a:lstStyle/>
+          <a:p>
+            <a:pPr algn="ctr"/>
+            <a:endParaRPr lang="en-IN" dirty="0"/>
+          </a:p>
+        </p:txBody>
+      </p:sp>
+      <p:sp>
+        <p:nvSpPr>
+          <p:cNvPr id="2" name="Title 1">
+            <a:extLst>
+              <a:ext uri="{FF2B5EF4-FFF2-40B4-BE49-F238E27FC236}">
+                <a16:creationId xmlns:a16="http://schemas.microsoft.com/office/drawing/2014/main" id="{A7F0CA62-FCD8-4A5F-978B-DA8DD61D7B9A}"/>
+              </a:ext>
+            </a:extLst>
+          </p:cNvPr>
+          <p:cNvSpPr>
+            <a:spLocks noGrp="1"/>
+          </p:cNvSpPr>
+          <p:nvPr>
+            <p:ph type="ctrTitle"/>
+          </p:nvPr>
+        </p:nvSpPr>
+        <p:spPr>
+          <a:xfrm>
+            <a:off x="266700" y="309699"/>
+            <a:ext cx="9144000" cy="1252401"/>
+          </a:xfrm>
+        </p:spPr>
+        <p:txBody>
+          <a:bodyPr>
+            <a:normAutofit/>
+          </a:bodyPr>
+          <a:lstStyle/>
+          <a:p>
+            <a:pPr algn="l"/>
+            <a:r>
+              <a:rPr lang="en-US" u="sng" dirty="0">
+                <a:solidFill>
+                  <a:schemeClr val="bg1"/>
+                </a:solidFill>
+                <a:effectLst>
+                  <a:outerShdw blurRad="38100" dist="38100" dir="2700000" algn="tl">
+                    <a:srgbClr val="000000">
+                      <a:alpha val="43137"/>
+                    </a:srgbClr>
+                  </a:outerShdw>
+                </a:effectLst>
+                <a:latin typeface="Bahnschrift Condensed" panose="020B0502040204020203" pitchFamily="34" charset="0"/>
+              </a:rPr>
+              <a:t>Table Of Contents</a:t>
+            </a:r>
+            <a:endParaRPr lang="en-IN" u="sng" dirty="0">
+              <a:solidFill>
+                <a:schemeClr val="bg1"/>
+              </a:solidFill>
+              <a:effectLst>
+                <a:outerShdw blurRad="38100" dist="38100" dir="2700000" algn="tl">
+                  <a:srgbClr val="000000">
+                    <a:alpha val="43137"/>
+                  </a:srgbClr>
+                </a:outerShdw>
+              </a:effectLst>
+              <a:latin typeface="Bahnschrift Condensed" panose="020B0502040204020203" pitchFamily="34" charset="0"/>
+            </a:endParaRPr>
+          </a:p>
+        </p:txBody>
+      </p:sp>
+      <p:sp>
+        <p:nvSpPr>
+          <p:cNvPr id="3" name="Subtitle 2">
+            <a:extLst>
+              <a:ext uri="{FF2B5EF4-FFF2-40B4-BE49-F238E27FC236}">
+                <a16:creationId xmlns:a16="http://schemas.microsoft.com/office/drawing/2014/main" id="{6022F0E5-5394-4A69-ABCD-63E30B964683}"/>
+              </a:ext>
+            </a:extLst>
+          </p:cNvPr>
+          <p:cNvSpPr>
+            <a:spLocks noGrp="1"/>
+          </p:cNvSpPr>
+          <p:nvPr>
+            <p:ph type="subTitle" idx="1"/>
+          </p:nvPr>
+        </p:nvSpPr>
+        <p:spPr>
+          <a:xfrm>
+            <a:off x="552450" y="3114675"/>
+            <a:ext cx="10115550" cy="3248025"/>
+          </a:xfrm>
+        </p:spPr>
+        <p:txBody>
+          <a:bodyPr numCol="2">
+            <a:normAutofit/>
+          </a:bodyPr>
+          <a:lstStyle/>
+          <a:p>
+            <a:pPr marL="457200" indent="-457200" algn="l">
+              <a:buFont typeface="Arial" panose="020B0604020202020204" pitchFamily="34" charset="0"/>
+              <a:buAutoNum type="arabicPeriod"/>
+            </a:pPr>
+            <a:r>
+              <a:rPr lang="en-US" sz="3200" dirty="0">
+                <a:latin typeface="Popins"/>
+              </a:rPr>
+              <a:t>Introduction</a:t>
+            </a:r>
+          </a:p>
+          <a:p>
+            <a:pPr marL="457200" indent="-457200" algn="l">
+              <a:buAutoNum type="arabicPeriod"/>
+            </a:pPr>
+            <a:r>
+              <a:rPr lang="en-US" sz="3200" dirty="0">
+                <a:latin typeface="Popins"/>
+              </a:rPr>
+              <a:t>Technology Used</a:t>
+            </a:r>
+          </a:p>
+          <a:p>
+            <a:pPr marL="457200" indent="-457200" algn="l">
+              <a:buAutoNum type="arabicPeriod"/>
+            </a:pPr>
+            <a:r>
+              <a:rPr lang="en-US" sz="3200" dirty="0">
+                <a:latin typeface="Popins"/>
+              </a:rPr>
+              <a:t>Software And Tools Used</a:t>
+            </a:r>
+          </a:p>
+          <a:p>
+            <a:pPr marL="457200" indent="-457200" algn="l">
+              <a:buAutoNum type="arabicPeriod"/>
+            </a:pPr>
+            <a:r>
+              <a:rPr lang="en-US" sz="3200" dirty="0">
+                <a:latin typeface="Popins"/>
+              </a:rPr>
+              <a:t>Work Flow</a:t>
+            </a:r>
+          </a:p>
+          <a:p>
+            <a:pPr marL="457200" indent="-457200" algn="l">
+              <a:buAutoNum type="arabicPeriod"/>
+            </a:pPr>
+            <a:r>
+              <a:rPr lang="en-US" sz="3200" dirty="0">
+                <a:latin typeface="Popins"/>
+              </a:rPr>
+              <a:t>Application Structure</a:t>
+            </a:r>
+          </a:p>
+          <a:p>
+            <a:pPr marL="457200" indent="-457200" algn="l">
+              <a:buAutoNum type="arabicPeriod"/>
+            </a:pPr>
+            <a:r>
+              <a:rPr lang="en-US" sz="3200" dirty="0">
+                <a:latin typeface="Popins"/>
+              </a:rPr>
+              <a:t>Some Snaps of Project</a:t>
+            </a:r>
+          </a:p>
+          <a:p>
+            <a:pPr marL="457200" indent="-457200" algn="l">
+              <a:buAutoNum type="arabicPeriod"/>
+            </a:pPr>
+            <a:r>
+              <a:rPr lang="en-US" sz="3200" dirty="0">
+                <a:latin typeface="Popins"/>
+              </a:rPr>
+              <a:t>Future Implementations</a:t>
+            </a:r>
+          </a:p>
+          <a:p>
+            <a:pPr marL="457200" indent="-457200" algn="l">
+              <a:buAutoNum type="arabicPeriod"/>
+            </a:pPr>
+            <a:r>
+              <a:rPr lang="en-US" sz="3200" dirty="0">
+                <a:latin typeface="Popins"/>
+              </a:rPr>
+              <a:t>Conclusion</a:t>
+            </a:r>
+            <a:endParaRPr lang="en-IN" sz="3200" dirty="0">
+              <a:latin typeface="Popins"/>
+            </a:endParaRPr>
+          </a:p>
+        </p:txBody>
+      </p:sp>
+      <p:pic>
+        <p:nvPicPr>
+          <p:cNvPr id="9" name="Picture 8">
+            <a:extLst>
+              <a:ext uri="{FF2B5EF4-FFF2-40B4-BE49-F238E27FC236}">
+                <a16:creationId xmlns:a16="http://schemas.microsoft.com/office/drawing/2014/main" id="{FFC30345-A97B-4FAF-8B1A-77B9E74AF526}"/>
+              </a:ext>
+            </a:extLst>
+          </p:cNvPr>
+          <p:cNvPicPr>
+            <a:picLocks noChangeAspect="1"/>
+          </p:cNvPicPr>
+          <p:nvPr/>
+        </p:nvPicPr>
+        <p:blipFill>
+          <a:blip r:embed="rId2">
+            <a:extLst>
+              <a:ext uri="{28A0092B-C50C-407E-A947-70E740481C1C}">
+                <a14:useLocalDpi xmlns:a14="http://schemas.microsoft.com/office/drawing/2010/main" val="0"/>
+              </a:ext>
+            </a:extLst>
+          </a:blip>
+          <a:stretch>
+            <a:fillRect/>
+          </a:stretch>
+        </p:blipFill>
+        <p:spPr>
+          <a:xfrm>
+            <a:off x="6965202" y="-407148"/>
+            <a:ext cx="3836148" cy="3836148"/>
+          </a:xfrm>
+          <a:prstGeom prst="rect">
+            <a:avLst/>
+          </a:prstGeom>
+        </p:spPr>
+      </p:pic>
+    </p:spTree>
+    <p:extLst>
+      <p:ext uri="{BB962C8B-B14F-4D97-AF65-F5344CB8AC3E}">
+        <p14:creationId xmlns:p14="http://schemas.microsoft.com/office/powerpoint/2010/main" val="612329337"/>
+      </p:ext>
+    </p:extLst>
+  </p:cSld>
+  <p:clrMapOvr>
+    <a:masterClrMapping/>
+  </p:clrMapOvr>
+</p:sld>
+</file>
+
+<file path=ppt/slides/slide20.xml><?xml version="1.0" encoding="utf-8"?>
 <p:sld xmlns:a="http://schemas.openxmlformats.org/drawingml/2006/main" xmlns:r="http://schemas.openxmlformats.org/officeDocument/2006/relationships" xmlns:p="http://schemas.openxmlformats.org/presentationml/2006/main">
   <p:cSld>
     <p:spTree>
@@ -6061,7 +7172,7 @@
           <a:lstStyle/>
           <a:p>
             <a:pPr algn="ctr"/>
-            <a:endParaRPr lang="en-IN"/>
+            <a:endParaRPr lang="en-IN" dirty="0"/>
           </a:p>
         </p:txBody>
       </p:sp>
@@ -6083,8 +7194,8 @@
         </p:nvSpPr>
         <p:spPr>
           <a:xfrm>
-            <a:off x="2828924" y="-271327"/>
-            <a:ext cx="7381875" cy="1585777"/>
+            <a:off x="771524" y="-157027"/>
+            <a:ext cx="7439026" cy="1585777"/>
           </a:xfrm>
         </p:spPr>
         <p:txBody>
@@ -6101,7 +7212,7 @@
                 </a:solidFill>
                 <a:latin typeface="Bahnschrift Condensed" panose="020B0502040204020203" pitchFamily="34" charset="0"/>
               </a:rPr>
-              <a:t>Work Flow Diagram</a:t>
+              <a:t>Conclusion &amp; Future</a:t>
             </a:r>
             <a:endParaRPr lang="en-IN" sz="6600" dirty="0">
               <a:solidFill>
@@ -6318,335 +7429,6 @@
           </a:p>
         </p:txBody>
       </p:sp>
-    </p:spTree>
-    <p:extLst>
-      <p:ext uri="{BB962C8B-B14F-4D97-AF65-F5344CB8AC3E}">
-        <p14:creationId xmlns:p14="http://schemas.microsoft.com/office/powerpoint/2010/main" val="2745811490"/>
-      </p:ext>
-    </p:extLst>
-  </p:cSld>
-  <p:clrMapOvr>
-    <a:masterClrMapping/>
-  </p:clrMapOvr>
-</p:sld>
-</file>
-
-<file path=ppt/slides/slide19.xml><?xml version="1.0" encoding="utf-8"?>
-<p:sld xmlns:a="http://schemas.openxmlformats.org/drawingml/2006/main" xmlns:r="http://schemas.openxmlformats.org/officeDocument/2006/relationships" xmlns:p="http://schemas.openxmlformats.org/presentationml/2006/main">
-  <p:cSld>
-    <p:spTree>
-      <p:nvGrpSpPr>
-        <p:cNvPr id="1" name=""/>
-        <p:cNvGrpSpPr/>
-        <p:nvPr/>
-      </p:nvGrpSpPr>
-      <p:grpSpPr>
-        <a:xfrm>
-          <a:off x="0" y="0"/>
-          <a:ext cx="0" cy="0"/>
-          <a:chOff x="0" y="0"/>
-          <a:chExt cx="0" cy="0"/>
-        </a:xfrm>
-      </p:grpSpPr>
-      <p:sp>
-        <p:nvSpPr>
-          <p:cNvPr id="4" name="Rectangle 3">
-            <a:extLst>
-              <a:ext uri="{FF2B5EF4-FFF2-40B4-BE49-F238E27FC236}">
-                <a16:creationId xmlns:a16="http://schemas.microsoft.com/office/drawing/2014/main" id="{85A37C7B-1527-467B-949F-096FCE05FB11}"/>
-              </a:ext>
-            </a:extLst>
-          </p:cNvPr>
-          <p:cNvSpPr/>
-          <p:nvPr/>
-        </p:nvSpPr>
-        <p:spPr>
-          <a:xfrm>
-            <a:off x="0" y="-714375"/>
-            <a:ext cx="12192000" cy="2981325"/>
-          </a:xfrm>
-          <a:prstGeom prst="rect">
-            <a:avLst/>
-          </a:prstGeom>
-        </p:spPr>
-        <p:style>
-          <a:lnRef idx="2">
-            <a:schemeClr val="accent1">
-              <a:shade val="50000"/>
-            </a:schemeClr>
-          </a:lnRef>
-          <a:fillRef idx="1">
-            <a:schemeClr val="accent1"/>
-          </a:fillRef>
-          <a:effectRef idx="0">
-            <a:schemeClr val="accent1"/>
-          </a:effectRef>
-          <a:fontRef idx="minor">
-            <a:schemeClr val="lt1"/>
-          </a:fontRef>
-        </p:style>
-        <p:txBody>
-          <a:bodyPr rtlCol="0" anchor="ctr"/>
-          <a:lstStyle/>
-          <a:p>
-            <a:pPr algn="ctr"/>
-            <a:endParaRPr lang="en-IN" dirty="0"/>
-          </a:p>
-        </p:txBody>
-      </p:sp>
-      <p:sp>
-        <p:nvSpPr>
-          <p:cNvPr id="2" name="Title 1">
-            <a:extLst>
-              <a:ext uri="{FF2B5EF4-FFF2-40B4-BE49-F238E27FC236}">
-                <a16:creationId xmlns:a16="http://schemas.microsoft.com/office/drawing/2014/main" id="{A7F0CA62-FCD8-4A5F-978B-DA8DD61D7B9A}"/>
-              </a:ext>
-            </a:extLst>
-          </p:cNvPr>
-          <p:cNvSpPr>
-            <a:spLocks noGrp="1"/>
-          </p:cNvSpPr>
-          <p:nvPr>
-            <p:ph type="ctrTitle"/>
-          </p:nvPr>
-        </p:nvSpPr>
-        <p:spPr>
-          <a:xfrm>
-            <a:off x="771524" y="-157027"/>
-            <a:ext cx="7439026" cy="1585777"/>
-          </a:xfrm>
-        </p:spPr>
-        <p:txBody>
-          <a:bodyPr>
-            <a:normAutofit/>
-          </a:bodyPr>
-          <a:lstStyle/>
-          <a:p>
-            <a:pPr algn="l"/>
-            <a:r>
-              <a:rPr lang="en-US" sz="6600" dirty="0">
-                <a:solidFill>
-                  <a:schemeClr val="bg1"/>
-                </a:solidFill>
-                <a:latin typeface="Bahnschrift Condensed" panose="020B0502040204020203" pitchFamily="34" charset="0"/>
-              </a:rPr>
-              <a:t>Conclusion &amp; Future</a:t>
-            </a:r>
-            <a:endParaRPr lang="en-IN" sz="6600" dirty="0">
-              <a:solidFill>
-                <a:schemeClr val="bg1"/>
-              </a:solidFill>
-              <a:latin typeface="Bahnschrift Condensed" panose="020B0502040204020203" pitchFamily="34" charset="0"/>
-            </a:endParaRPr>
-          </a:p>
-        </p:txBody>
-      </p:sp>
-      <p:sp>
-        <p:nvSpPr>
-          <p:cNvPr id="7" name="Subtitle 2">
-            <a:extLst>
-              <a:ext uri="{FF2B5EF4-FFF2-40B4-BE49-F238E27FC236}">
-                <a16:creationId xmlns:a16="http://schemas.microsoft.com/office/drawing/2014/main" id="{C727C305-BF82-4EBF-BD47-13C708A4AAB9}"/>
-              </a:ext>
-            </a:extLst>
-          </p:cNvPr>
-          <p:cNvSpPr txBox="1">
-            <a:spLocks/>
-          </p:cNvSpPr>
-          <p:nvPr/>
-        </p:nvSpPr>
-        <p:spPr>
-          <a:xfrm>
-            <a:off x="361950" y="2400300"/>
-            <a:ext cx="11296650" cy="3790950"/>
-          </a:xfrm>
-          <a:prstGeom prst="rect">
-            <a:avLst/>
-          </a:prstGeom>
-        </p:spPr>
-        <p:txBody>
-          <a:bodyPr vert="horz" lIns="91440" tIns="45720" rIns="91440" bIns="45720" rtlCol="0">
-            <a:normAutofit/>
-          </a:bodyPr>
-          <a:lstStyle>
-            <a:lvl1pPr marL="0" indent="0" algn="ctr" defTabSz="914400" rtl="0" eaLnBrk="1" latinLnBrk="0" hangingPunct="1">
-              <a:lnSpc>
-                <a:spcPct val="90000"/>
-              </a:lnSpc>
-              <a:spcBef>
-                <a:spcPts val="1000"/>
-              </a:spcBef>
-              <a:buFont typeface="Arial" panose="020B0604020202020204" pitchFamily="34" charset="0"/>
-              <a:buNone/>
-              <a:defRPr sz="2400" kern="1200">
-                <a:solidFill>
-                  <a:schemeClr val="tx1"/>
-                </a:solidFill>
-                <a:latin typeface="+mn-lt"/>
-                <a:ea typeface="+mn-ea"/>
-                <a:cs typeface="+mn-cs"/>
-              </a:defRPr>
-            </a:lvl1pPr>
-            <a:lvl2pPr marL="457200" indent="0" algn="ctr" defTabSz="914400" rtl="0" eaLnBrk="1" latinLnBrk="0" hangingPunct="1">
-              <a:lnSpc>
-                <a:spcPct val="90000"/>
-              </a:lnSpc>
-              <a:spcBef>
-                <a:spcPts val="500"/>
-              </a:spcBef>
-              <a:buFont typeface="Arial" panose="020B0604020202020204" pitchFamily="34" charset="0"/>
-              <a:buNone/>
-              <a:defRPr sz="2000" kern="1200">
-                <a:solidFill>
-                  <a:schemeClr val="tx1"/>
-                </a:solidFill>
-                <a:latin typeface="+mn-lt"/>
-                <a:ea typeface="+mn-ea"/>
-                <a:cs typeface="+mn-cs"/>
-              </a:defRPr>
-            </a:lvl2pPr>
-            <a:lvl3pPr marL="914400" indent="0" algn="ctr" defTabSz="914400" rtl="0" eaLnBrk="1" latinLnBrk="0" hangingPunct="1">
-              <a:lnSpc>
-                <a:spcPct val="90000"/>
-              </a:lnSpc>
-              <a:spcBef>
-                <a:spcPts val="500"/>
-              </a:spcBef>
-              <a:buFont typeface="Arial" panose="020B0604020202020204" pitchFamily="34" charset="0"/>
-              <a:buNone/>
-              <a:defRPr sz="1800" kern="1200">
-                <a:solidFill>
-                  <a:schemeClr val="tx1"/>
-                </a:solidFill>
-                <a:latin typeface="+mn-lt"/>
-                <a:ea typeface="+mn-ea"/>
-                <a:cs typeface="+mn-cs"/>
-              </a:defRPr>
-            </a:lvl3pPr>
-            <a:lvl4pPr marL="1371600" indent="0" algn="ctr" defTabSz="914400" rtl="0" eaLnBrk="1" latinLnBrk="0" hangingPunct="1">
-              <a:lnSpc>
-                <a:spcPct val="90000"/>
-              </a:lnSpc>
-              <a:spcBef>
-                <a:spcPts val="500"/>
-              </a:spcBef>
-              <a:buFont typeface="Arial" panose="020B0604020202020204" pitchFamily="34" charset="0"/>
-              <a:buNone/>
-              <a:defRPr sz="1600" kern="1200">
-                <a:solidFill>
-                  <a:schemeClr val="tx1"/>
-                </a:solidFill>
-                <a:latin typeface="+mn-lt"/>
-                <a:ea typeface="+mn-ea"/>
-                <a:cs typeface="+mn-cs"/>
-              </a:defRPr>
-            </a:lvl4pPr>
-            <a:lvl5pPr marL="1828800" indent="0" algn="ctr" defTabSz="914400" rtl="0" eaLnBrk="1" latinLnBrk="0" hangingPunct="1">
-              <a:lnSpc>
-                <a:spcPct val="90000"/>
-              </a:lnSpc>
-              <a:spcBef>
-                <a:spcPts val="500"/>
-              </a:spcBef>
-              <a:buFont typeface="Arial" panose="020B0604020202020204" pitchFamily="34" charset="0"/>
-              <a:buNone/>
-              <a:defRPr sz="1600" kern="1200">
-                <a:solidFill>
-                  <a:schemeClr val="tx1"/>
-                </a:solidFill>
-                <a:latin typeface="+mn-lt"/>
-                <a:ea typeface="+mn-ea"/>
-                <a:cs typeface="+mn-cs"/>
-              </a:defRPr>
-            </a:lvl5pPr>
-            <a:lvl6pPr marL="2286000" indent="0" algn="ctr" defTabSz="914400" rtl="0" eaLnBrk="1" latinLnBrk="0" hangingPunct="1">
-              <a:lnSpc>
-                <a:spcPct val="90000"/>
-              </a:lnSpc>
-              <a:spcBef>
-                <a:spcPts val="500"/>
-              </a:spcBef>
-              <a:buFont typeface="Arial" panose="020B0604020202020204" pitchFamily="34" charset="0"/>
-              <a:buNone/>
-              <a:defRPr sz="1600" kern="1200">
-                <a:solidFill>
-                  <a:schemeClr val="tx1"/>
-                </a:solidFill>
-                <a:latin typeface="+mn-lt"/>
-                <a:ea typeface="+mn-ea"/>
-                <a:cs typeface="+mn-cs"/>
-              </a:defRPr>
-            </a:lvl6pPr>
-            <a:lvl7pPr marL="2743200" indent="0" algn="ctr" defTabSz="914400" rtl="0" eaLnBrk="1" latinLnBrk="0" hangingPunct="1">
-              <a:lnSpc>
-                <a:spcPct val="90000"/>
-              </a:lnSpc>
-              <a:spcBef>
-                <a:spcPts val="500"/>
-              </a:spcBef>
-              <a:buFont typeface="Arial" panose="020B0604020202020204" pitchFamily="34" charset="0"/>
-              <a:buNone/>
-              <a:defRPr sz="1600" kern="1200">
-                <a:solidFill>
-                  <a:schemeClr val="tx1"/>
-                </a:solidFill>
-                <a:latin typeface="+mn-lt"/>
-                <a:ea typeface="+mn-ea"/>
-                <a:cs typeface="+mn-cs"/>
-              </a:defRPr>
-            </a:lvl7pPr>
-            <a:lvl8pPr marL="3200400" indent="0" algn="ctr" defTabSz="914400" rtl="0" eaLnBrk="1" latinLnBrk="0" hangingPunct="1">
-              <a:lnSpc>
-                <a:spcPct val="90000"/>
-              </a:lnSpc>
-              <a:spcBef>
-                <a:spcPts val="500"/>
-              </a:spcBef>
-              <a:buFont typeface="Arial" panose="020B0604020202020204" pitchFamily="34" charset="0"/>
-              <a:buNone/>
-              <a:defRPr sz="1600" kern="1200">
-                <a:solidFill>
-                  <a:schemeClr val="tx1"/>
-                </a:solidFill>
-                <a:latin typeface="+mn-lt"/>
-                <a:ea typeface="+mn-ea"/>
-                <a:cs typeface="+mn-cs"/>
-              </a:defRPr>
-            </a:lvl8pPr>
-            <a:lvl9pPr marL="3657600" indent="0" algn="ctr" defTabSz="914400" rtl="0" eaLnBrk="1" latinLnBrk="0" hangingPunct="1">
-              <a:lnSpc>
-                <a:spcPct val="90000"/>
-              </a:lnSpc>
-              <a:spcBef>
-                <a:spcPts val="500"/>
-              </a:spcBef>
-              <a:buFont typeface="Arial" panose="020B0604020202020204" pitchFamily="34" charset="0"/>
-              <a:buNone/>
-              <a:defRPr sz="1600" kern="1200">
-                <a:solidFill>
-                  <a:schemeClr val="tx1"/>
-                </a:solidFill>
-                <a:latin typeface="+mn-lt"/>
-                <a:ea typeface="+mn-ea"/>
-                <a:cs typeface="+mn-cs"/>
-              </a:defRPr>
-            </a:lvl9pPr>
-          </a:lstStyle>
-          <a:p>
-            <a:pPr marL="514350" indent="-514350" algn="l">
-              <a:buAutoNum type="arabicPeriod"/>
-            </a:pPr>
-            <a:endParaRPr lang="en-IN" dirty="0">
-              <a:solidFill>
-                <a:schemeClr val="tx1">
-                  <a:lumMod val="75000"/>
-                  <a:lumOff val="25000"/>
-                </a:schemeClr>
-              </a:solidFill>
-            </a:endParaRPr>
-          </a:p>
-        </p:txBody>
-      </p:sp>
       <p:sp>
         <p:nvSpPr>
           <p:cNvPr id="8" name="TextBox 7">
@@ -7071,300 +7853,6 @@
     <p:extLst>
       <p:ext uri="{BB962C8B-B14F-4D97-AF65-F5344CB8AC3E}">
         <p14:creationId xmlns:p14="http://schemas.microsoft.com/office/powerpoint/2010/main" val="3903627089"/>
-      </p:ext>
-    </p:extLst>
-  </p:cSld>
-  <p:clrMapOvr>
-    <a:masterClrMapping/>
-  </p:clrMapOvr>
-</p:sld>
-</file>
-
-<file path=ppt/slides/slide2.xml><?xml version="1.0" encoding="utf-8"?>
-<p:sld xmlns:a="http://schemas.openxmlformats.org/drawingml/2006/main" xmlns:r="http://schemas.openxmlformats.org/officeDocument/2006/relationships" xmlns:p="http://schemas.openxmlformats.org/presentationml/2006/main">
-  <p:cSld>
-    <p:spTree>
-      <p:nvGrpSpPr>
-        <p:cNvPr id="1" name=""/>
-        <p:cNvGrpSpPr/>
-        <p:nvPr/>
-      </p:nvGrpSpPr>
-      <p:grpSpPr>
-        <a:xfrm>
-          <a:off x="0" y="0"/>
-          <a:ext cx="0" cy="0"/>
-          <a:chOff x="0" y="0"/>
-          <a:chExt cx="0" cy="0"/>
-        </a:xfrm>
-      </p:grpSpPr>
-      <p:sp>
-        <p:nvSpPr>
-          <p:cNvPr id="4" name="Rectangle 3">
-            <a:extLst>
-              <a:ext uri="{FF2B5EF4-FFF2-40B4-BE49-F238E27FC236}">
-                <a16:creationId xmlns:a16="http://schemas.microsoft.com/office/drawing/2014/main" id="{85A37C7B-1527-467B-949F-096FCE05FB11}"/>
-              </a:ext>
-            </a:extLst>
-          </p:cNvPr>
-          <p:cNvSpPr/>
-          <p:nvPr/>
-        </p:nvSpPr>
-        <p:spPr>
-          <a:xfrm>
-            <a:off x="0" y="-123825"/>
-            <a:ext cx="12192000" cy="2962275"/>
-          </a:xfrm>
-          <a:prstGeom prst="rect">
-            <a:avLst/>
-          </a:prstGeom>
-        </p:spPr>
-        <p:style>
-          <a:lnRef idx="2">
-            <a:schemeClr val="accent1">
-              <a:shade val="50000"/>
-            </a:schemeClr>
-          </a:lnRef>
-          <a:fillRef idx="1">
-            <a:schemeClr val="accent1"/>
-          </a:fillRef>
-          <a:effectRef idx="0">
-            <a:schemeClr val="accent1"/>
-          </a:effectRef>
-          <a:fontRef idx="minor">
-            <a:schemeClr val="lt1"/>
-          </a:fontRef>
-        </p:style>
-        <p:txBody>
-          <a:bodyPr rtlCol="0" anchor="ctr"/>
-          <a:lstStyle/>
-          <a:p>
-            <a:pPr algn="ctr"/>
-            <a:endParaRPr lang="en-IN" dirty="0"/>
-          </a:p>
-        </p:txBody>
-      </p:sp>
-      <p:sp>
-        <p:nvSpPr>
-          <p:cNvPr id="2" name="Title 1">
-            <a:extLst>
-              <a:ext uri="{FF2B5EF4-FFF2-40B4-BE49-F238E27FC236}">
-                <a16:creationId xmlns:a16="http://schemas.microsoft.com/office/drawing/2014/main" id="{A7F0CA62-FCD8-4A5F-978B-DA8DD61D7B9A}"/>
-              </a:ext>
-            </a:extLst>
-          </p:cNvPr>
-          <p:cNvSpPr>
-            <a:spLocks noGrp="1"/>
-          </p:cNvSpPr>
-          <p:nvPr>
-            <p:ph type="ctrTitle"/>
-          </p:nvPr>
-        </p:nvSpPr>
-        <p:spPr>
-          <a:xfrm>
-            <a:off x="266700" y="309699"/>
-            <a:ext cx="9144000" cy="1252401"/>
-          </a:xfrm>
-        </p:spPr>
-        <p:txBody>
-          <a:bodyPr>
-            <a:normAutofit/>
-          </a:bodyPr>
-          <a:lstStyle/>
-          <a:p>
-            <a:pPr algn="l"/>
-            <a:r>
-              <a:rPr lang="en-US" u="sng" dirty="0">
-                <a:solidFill>
-                  <a:schemeClr val="bg1"/>
-                </a:solidFill>
-                <a:effectLst>
-                  <a:outerShdw blurRad="38100" dist="38100" dir="2700000" algn="tl">
-                    <a:srgbClr val="000000">
-                      <a:alpha val="43137"/>
-                    </a:srgbClr>
-                  </a:outerShdw>
-                </a:effectLst>
-                <a:latin typeface="Bahnschrift Condensed" panose="020B0502040204020203" pitchFamily="34" charset="0"/>
-              </a:rPr>
-              <a:t>Table Of Contents</a:t>
-            </a:r>
-            <a:endParaRPr lang="en-IN" u="sng" dirty="0">
-              <a:solidFill>
-                <a:schemeClr val="bg1"/>
-              </a:solidFill>
-              <a:effectLst>
-                <a:outerShdw blurRad="38100" dist="38100" dir="2700000" algn="tl">
-                  <a:srgbClr val="000000">
-                    <a:alpha val="43137"/>
-                  </a:srgbClr>
-                </a:outerShdw>
-              </a:effectLst>
-              <a:latin typeface="Bahnschrift Condensed" panose="020B0502040204020203" pitchFamily="34" charset="0"/>
-            </a:endParaRPr>
-          </a:p>
-        </p:txBody>
-      </p:sp>
-      <p:sp>
-        <p:nvSpPr>
-          <p:cNvPr id="3" name="Subtitle 2">
-            <a:extLst>
-              <a:ext uri="{FF2B5EF4-FFF2-40B4-BE49-F238E27FC236}">
-                <a16:creationId xmlns:a16="http://schemas.microsoft.com/office/drawing/2014/main" id="{6022F0E5-5394-4A69-ABCD-63E30B964683}"/>
-              </a:ext>
-            </a:extLst>
-          </p:cNvPr>
-          <p:cNvSpPr>
-            <a:spLocks noGrp="1"/>
-          </p:cNvSpPr>
-          <p:nvPr>
-            <p:ph type="subTitle" idx="1"/>
-          </p:nvPr>
-        </p:nvSpPr>
-        <p:spPr>
-          <a:xfrm>
-            <a:off x="552450" y="3114675"/>
-            <a:ext cx="10115550" cy="3248025"/>
-          </a:xfrm>
-        </p:spPr>
-        <p:txBody>
-          <a:bodyPr numCol="2">
-            <a:normAutofit/>
-          </a:bodyPr>
-          <a:lstStyle/>
-          <a:p>
-            <a:pPr marL="457200" indent="-457200" algn="l">
-              <a:buFont typeface="Arial" panose="020B0604020202020204" pitchFamily="34" charset="0"/>
-              <a:buAutoNum type="arabicPeriod"/>
-            </a:pPr>
-            <a:r>
-              <a:rPr lang="en-US" sz="3200" dirty="0">
-                <a:latin typeface="Popins"/>
-              </a:rPr>
-              <a:t>Introduction</a:t>
-            </a:r>
-          </a:p>
-          <a:p>
-            <a:pPr marL="457200" indent="-457200" algn="l">
-              <a:buAutoNum type="arabicPeriod"/>
-            </a:pPr>
-            <a:r>
-              <a:rPr lang="en-US" sz="3200" dirty="0">
-                <a:latin typeface="Popins"/>
-              </a:rPr>
-              <a:t>Technology Used</a:t>
-            </a:r>
-          </a:p>
-          <a:p>
-            <a:pPr marL="457200" indent="-457200" algn="l">
-              <a:buAutoNum type="arabicPeriod"/>
-            </a:pPr>
-            <a:r>
-              <a:rPr lang="en-US" sz="3200" dirty="0">
-                <a:latin typeface="Popins"/>
-              </a:rPr>
-              <a:t>Software And Tools Used</a:t>
-            </a:r>
-          </a:p>
-          <a:p>
-            <a:pPr marL="457200" indent="-457200" algn="l">
-              <a:buAutoNum type="arabicPeriod"/>
-            </a:pPr>
-            <a:r>
-              <a:rPr lang="en-US" sz="3200" dirty="0">
-                <a:latin typeface="Popins"/>
-              </a:rPr>
-              <a:t>Work Flow</a:t>
-            </a:r>
-          </a:p>
-          <a:p>
-            <a:pPr marL="457200" indent="-457200" algn="l">
-              <a:buAutoNum type="arabicPeriod"/>
-            </a:pPr>
-            <a:r>
-              <a:rPr lang="en-US" sz="3200" dirty="0">
-                <a:latin typeface="Popins"/>
-              </a:rPr>
-              <a:t>Application Structure</a:t>
-            </a:r>
-          </a:p>
-          <a:p>
-            <a:pPr marL="457200" indent="-457200" algn="l">
-              <a:buAutoNum type="arabicPeriod"/>
-            </a:pPr>
-            <a:r>
-              <a:rPr lang="en-US" sz="3200" dirty="0">
-                <a:latin typeface="Popins"/>
-              </a:rPr>
-              <a:t>Some Snaps of Project</a:t>
-            </a:r>
-          </a:p>
-          <a:p>
-            <a:pPr marL="457200" indent="-457200" algn="l">
-              <a:buAutoNum type="arabicPeriod"/>
-            </a:pPr>
-            <a:r>
-              <a:rPr lang="en-US" sz="3200" dirty="0">
-                <a:latin typeface="Popins"/>
-              </a:rPr>
-              <a:t>Future Implementations</a:t>
-            </a:r>
-          </a:p>
-          <a:p>
-            <a:pPr marL="457200" indent="-457200" algn="l">
-              <a:buAutoNum type="arabicPeriod"/>
-            </a:pPr>
-            <a:r>
-              <a:rPr lang="en-US" sz="3200" dirty="0">
-                <a:latin typeface="Popins"/>
-              </a:rPr>
-              <a:t>Conclusion</a:t>
-            </a:r>
-            <a:endParaRPr lang="en-IN" sz="3200" dirty="0">
-              <a:latin typeface="Popins"/>
-            </a:endParaRPr>
-          </a:p>
-        </p:txBody>
-      </p:sp>
-      <p:pic>
-        <p:nvPicPr>
-          <p:cNvPr id="9" name="Picture 8">
-            <a:extLst>
-              <a:ext uri="{FF2B5EF4-FFF2-40B4-BE49-F238E27FC236}">
-                <a16:creationId xmlns:a16="http://schemas.microsoft.com/office/drawing/2014/main" id="{FFC30345-A97B-4FAF-8B1A-77B9E74AF526}"/>
-              </a:ext>
-            </a:extLst>
-          </p:cNvPr>
-          <p:cNvPicPr>
-            <a:picLocks noChangeAspect="1"/>
-          </p:cNvPicPr>
-          <p:nvPr/>
-        </p:nvPicPr>
-        <p:blipFill>
-          <a:blip r:embed="rId2">
-            <a:extLst>
-              <a:ext uri="{28A0092B-C50C-407E-A947-70E740481C1C}">
-                <a14:useLocalDpi xmlns:a14="http://schemas.microsoft.com/office/drawing/2010/main" val="0"/>
-              </a:ext>
-            </a:extLst>
-          </a:blip>
-          <a:stretch>
-            <a:fillRect/>
-          </a:stretch>
-        </p:blipFill>
-        <p:spPr>
-          <a:xfrm>
-            <a:off x="6965202" y="-407148"/>
-            <a:ext cx="3836148" cy="3836148"/>
-          </a:xfrm>
-          <a:prstGeom prst="rect">
-            <a:avLst/>
-          </a:prstGeom>
-        </p:spPr>
-      </p:pic>
-    </p:spTree>
-    <p:extLst>
-      <p:ext uri="{BB962C8B-B14F-4D97-AF65-F5344CB8AC3E}">
-        <p14:creationId xmlns:p14="http://schemas.microsoft.com/office/powerpoint/2010/main" val="612329337"/>
       </p:ext>
     </p:extLst>
   </p:cSld>
@@ -8519,31 +9007,6 @@
       </p:sp>
       <p:sp>
         <p:nvSpPr>
-          <p:cNvPr id="3" name="Content Placeholder 2">
-            <a:extLst>
-              <a:ext uri="{FF2B5EF4-FFF2-40B4-BE49-F238E27FC236}">
-                <a16:creationId xmlns:a16="http://schemas.microsoft.com/office/drawing/2014/main" id="{B84D3F1D-7DD3-4748-AC32-2AF33FE06BA1}"/>
-              </a:ext>
-            </a:extLst>
-          </p:cNvPr>
-          <p:cNvSpPr>
-            <a:spLocks noGrp="1"/>
-          </p:cNvSpPr>
-          <p:nvPr>
-            <p:ph idx="1"/>
-          </p:nvPr>
-        </p:nvSpPr>
-        <p:spPr/>
-        <p:txBody>
-          <a:bodyPr/>
-          <a:lstStyle/>
-          <a:p>
-            <a:endParaRPr lang="en-IN" dirty="0"/>
-          </a:p>
-        </p:txBody>
-      </p:sp>
-      <p:sp>
-        <p:nvSpPr>
           <p:cNvPr id="4" name="Rectangle 3">
             <a:extLst>
               <a:ext uri="{FF2B5EF4-FFF2-40B4-BE49-F238E27FC236}">
@@ -9426,6 +9889,138 @@
           <a:chExt cx="0" cy="0"/>
         </a:xfrm>
       </p:grpSpPr>
+      <p:pic>
+        <p:nvPicPr>
+          <p:cNvPr id="5" name="Picture 4">
+            <a:extLst>
+              <a:ext uri="{FF2B5EF4-FFF2-40B4-BE49-F238E27FC236}">
+                <a16:creationId xmlns:a16="http://schemas.microsoft.com/office/drawing/2014/main" id="{3B922026-21A1-42BA-ACAB-B2D784025BC0}"/>
+              </a:ext>
+            </a:extLst>
+          </p:cNvPr>
+          <p:cNvPicPr>
+            <a:picLocks noChangeAspect="1"/>
+          </p:cNvPicPr>
+          <p:nvPr/>
+        </p:nvPicPr>
+        <p:blipFill>
+          <a:blip r:embed="rId2">
+            <a:extLst>
+              <a:ext uri="{28A0092B-C50C-407E-A947-70E740481C1C}">
+                <a14:useLocalDpi xmlns:a14="http://schemas.microsoft.com/office/drawing/2010/main" val="0"/>
+              </a:ext>
+            </a:extLst>
+          </a:blip>
+          <a:stretch>
+            <a:fillRect/>
+          </a:stretch>
+        </p:blipFill>
+        <p:spPr>
+          <a:xfrm>
+            <a:off x="0" y="78377"/>
+            <a:ext cx="12192000" cy="6584402"/>
+          </a:xfrm>
+          <a:prstGeom prst="rect">
+            <a:avLst/>
+          </a:prstGeom>
+        </p:spPr>
+      </p:pic>
+    </p:spTree>
+    <p:extLst>
+      <p:ext uri="{BB962C8B-B14F-4D97-AF65-F5344CB8AC3E}">
+        <p14:creationId xmlns:p14="http://schemas.microsoft.com/office/powerpoint/2010/main" val="221607929"/>
+      </p:ext>
+    </p:extLst>
+  </p:cSld>
+  <p:clrMapOvr>
+    <a:masterClrMapping/>
+  </p:clrMapOvr>
+</p:sld>
+</file>
+
+<file path=ppt/slides/slide7.xml><?xml version="1.0" encoding="utf-8"?>
+<p:sld xmlns:a="http://schemas.openxmlformats.org/drawingml/2006/main" xmlns:r="http://schemas.openxmlformats.org/officeDocument/2006/relationships" xmlns:p="http://schemas.openxmlformats.org/presentationml/2006/main">
+  <p:cSld>
+    <p:spTree>
+      <p:nvGrpSpPr>
+        <p:cNvPr id="1" name=""/>
+        <p:cNvGrpSpPr/>
+        <p:nvPr/>
+      </p:nvGrpSpPr>
+      <p:grpSpPr>
+        <a:xfrm>
+          <a:off x="0" y="0"/>
+          <a:ext cx="0" cy="0"/>
+          <a:chOff x="0" y="0"/>
+          <a:chExt cx="0" cy="0"/>
+        </a:xfrm>
+      </p:grpSpPr>
+      <p:pic>
+        <p:nvPicPr>
+          <p:cNvPr id="5" name="Picture 4">
+            <a:extLst>
+              <a:ext uri="{FF2B5EF4-FFF2-40B4-BE49-F238E27FC236}">
+                <a16:creationId xmlns:a16="http://schemas.microsoft.com/office/drawing/2014/main" id="{AF052E87-0FC5-406C-B92E-A62ABA387EC8}"/>
+              </a:ext>
+            </a:extLst>
+          </p:cNvPr>
+          <p:cNvPicPr>
+            <a:picLocks noChangeAspect="1"/>
+          </p:cNvPicPr>
+          <p:nvPr/>
+        </p:nvPicPr>
+        <p:blipFill>
+          <a:blip r:embed="rId2">
+            <a:extLst>
+              <a:ext uri="{28A0092B-C50C-407E-A947-70E740481C1C}">
+                <a14:useLocalDpi xmlns:a14="http://schemas.microsoft.com/office/drawing/2010/main" val="0"/>
+              </a:ext>
+            </a:extLst>
+          </a:blip>
+          <a:stretch>
+            <a:fillRect/>
+          </a:stretch>
+        </p:blipFill>
+        <p:spPr>
+          <a:xfrm>
+            <a:off x="0" y="0"/>
+            <a:ext cx="12192000" cy="6858000"/>
+          </a:xfrm>
+          <a:prstGeom prst="rect">
+            <a:avLst/>
+          </a:prstGeom>
+        </p:spPr>
+      </p:pic>
+    </p:spTree>
+    <p:extLst>
+      <p:ext uri="{BB962C8B-B14F-4D97-AF65-F5344CB8AC3E}">
+        <p14:creationId xmlns:p14="http://schemas.microsoft.com/office/powerpoint/2010/main" val="3216161866"/>
+      </p:ext>
+    </p:extLst>
+  </p:cSld>
+  <p:clrMapOvr>
+    <a:masterClrMapping/>
+  </p:clrMapOvr>
+</p:sld>
+</file>
+
+<file path=ppt/slides/slide8.xml><?xml version="1.0" encoding="utf-8"?>
+<p:sld xmlns:a="http://schemas.openxmlformats.org/drawingml/2006/main" xmlns:r="http://schemas.openxmlformats.org/officeDocument/2006/relationships" xmlns:p="http://schemas.openxmlformats.org/presentationml/2006/main">
+  <p:cSld>
+    <p:spTree>
+      <p:nvGrpSpPr>
+        <p:cNvPr id="1" name=""/>
+        <p:cNvGrpSpPr/>
+        <p:nvPr/>
+      </p:nvGrpSpPr>
+      <p:grpSpPr>
+        <a:xfrm>
+          <a:off x="0" y="0"/>
+          <a:ext cx="0" cy="0"/>
+          <a:chOff x="0" y="0"/>
+          <a:chExt cx="0" cy="0"/>
+        </a:xfrm>
+      </p:grpSpPr>
       <p:sp>
         <p:nvSpPr>
           <p:cNvPr id="4" name="Rectangle 3">
@@ -9587,7 +10182,7 @@
 </p:sld>
 </file>
 
-<file path=ppt/slides/slide7.xml><?xml version="1.0" encoding="utf-8"?>
+<file path=ppt/slides/slide9.xml><?xml version="1.0" encoding="utf-8"?>
 <p:sld xmlns:a="http://schemas.openxmlformats.org/drawingml/2006/main" xmlns:r="http://schemas.openxmlformats.org/officeDocument/2006/relationships" xmlns:p="http://schemas.openxmlformats.org/presentationml/2006/main">
   <p:cSld>
     <p:spTree>
@@ -10002,822 +10597,6 @@
     <p:extLst>
       <p:ext uri="{BB962C8B-B14F-4D97-AF65-F5344CB8AC3E}">
         <p14:creationId xmlns:p14="http://schemas.microsoft.com/office/powerpoint/2010/main" val="3876906963"/>
-      </p:ext>
-    </p:extLst>
-  </p:cSld>
-  <p:clrMapOvr>
-    <a:masterClrMapping/>
-  </p:clrMapOvr>
-</p:sld>
-</file>
-
-<file path=ppt/slides/slide8.xml><?xml version="1.0" encoding="utf-8"?>
-<p:sld xmlns:a="http://schemas.openxmlformats.org/drawingml/2006/main" xmlns:r="http://schemas.openxmlformats.org/officeDocument/2006/relationships" xmlns:p="http://schemas.openxmlformats.org/presentationml/2006/main">
-  <p:cSld>
-    <p:spTree>
-      <p:nvGrpSpPr>
-        <p:cNvPr id="1" name=""/>
-        <p:cNvGrpSpPr/>
-        <p:nvPr/>
-      </p:nvGrpSpPr>
-      <p:grpSpPr>
-        <a:xfrm>
-          <a:off x="0" y="0"/>
-          <a:ext cx="0" cy="0"/>
-          <a:chOff x="0" y="0"/>
-          <a:chExt cx="0" cy="0"/>
-        </a:xfrm>
-      </p:grpSpPr>
-      <p:sp>
-        <p:nvSpPr>
-          <p:cNvPr id="4" name="Rectangle 3">
-            <a:extLst>
-              <a:ext uri="{FF2B5EF4-FFF2-40B4-BE49-F238E27FC236}">
-                <a16:creationId xmlns:a16="http://schemas.microsoft.com/office/drawing/2014/main" id="{85A37C7B-1527-467B-949F-096FCE05FB11}"/>
-              </a:ext>
-            </a:extLst>
-          </p:cNvPr>
-          <p:cNvSpPr/>
-          <p:nvPr/>
-        </p:nvSpPr>
-        <p:spPr>
-          <a:xfrm>
-            <a:off x="0" y="-714375"/>
-            <a:ext cx="12192000" cy="2981325"/>
-          </a:xfrm>
-          <a:prstGeom prst="rect">
-            <a:avLst/>
-          </a:prstGeom>
-        </p:spPr>
-        <p:style>
-          <a:lnRef idx="2">
-            <a:schemeClr val="accent1">
-              <a:shade val="50000"/>
-            </a:schemeClr>
-          </a:lnRef>
-          <a:fillRef idx="1">
-            <a:schemeClr val="accent1"/>
-          </a:fillRef>
-          <a:effectRef idx="0">
-            <a:schemeClr val="accent1"/>
-          </a:effectRef>
-          <a:fontRef idx="minor">
-            <a:schemeClr val="lt1"/>
-          </a:fontRef>
-        </p:style>
-        <p:txBody>
-          <a:bodyPr rtlCol="0" anchor="ctr"/>
-          <a:lstStyle/>
-          <a:p>
-            <a:pPr algn="ctr"/>
-            <a:endParaRPr lang="en-IN" dirty="0"/>
-          </a:p>
-        </p:txBody>
-      </p:sp>
-      <p:sp>
-        <p:nvSpPr>
-          <p:cNvPr id="5" name="Title 1">
-            <a:extLst>
-              <a:ext uri="{FF2B5EF4-FFF2-40B4-BE49-F238E27FC236}">
-                <a16:creationId xmlns:a16="http://schemas.microsoft.com/office/drawing/2014/main" id="{41A20B25-F493-4DA2-835D-54ECA2A0D804}"/>
-              </a:ext>
-            </a:extLst>
-          </p:cNvPr>
-          <p:cNvSpPr txBox="1">
-            <a:spLocks/>
-          </p:cNvSpPr>
-          <p:nvPr/>
-        </p:nvSpPr>
-        <p:spPr>
-          <a:xfrm>
-            <a:off x="476250" y="-42726"/>
-            <a:ext cx="4800600" cy="1128576"/>
-          </a:xfrm>
-          <a:prstGeom prst="rect">
-            <a:avLst/>
-          </a:prstGeom>
-        </p:spPr>
-        <p:txBody>
-          <a:bodyPr vert="horz" lIns="91440" tIns="45720" rIns="91440" bIns="45720" rtlCol="0" anchor="b">
-            <a:normAutofit/>
-          </a:bodyPr>
-          <a:lstStyle>
-            <a:lvl1pPr algn="ctr" defTabSz="914400" rtl="0" eaLnBrk="1" latinLnBrk="0" hangingPunct="1">
-              <a:lnSpc>
-                <a:spcPct val="90000"/>
-              </a:lnSpc>
-              <a:spcBef>
-                <a:spcPct val="0"/>
-              </a:spcBef>
-              <a:buNone/>
-              <a:defRPr sz="6000" kern="1200">
-                <a:solidFill>
-                  <a:schemeClr val="tx1"/>
-                </a:solidFill>
-                <a:latin typeface="+mj-lt"/>
-                <a:ea typeface="+mj-ea"/>
-                <a:cs typeface="+mj-cs"/>
-              </a:defRPr>
-            </a:lvl1pPr>
-          </a:lstStyle>
-          <a:p>
-            <a:pPr algn="l"/>
-            <a:endParaRPr lang="en-IN" dirty="0">
-              <a:solidFill>
-                <a:schemeClr val="bg1"/>
-              </a:solidFill>
-              <a:latin typeface="Bahnschrift Condensed" panose="020B0502040204020203" pitchFamily="34" charset="0"/>
-            </a:endParaRPr>
-          </a:p>
-        </p:txBody>
-      </p:sp>
-      <p:pic>
-        <p:nvPicPr>
-          <p:cNvPr id="6" name="Picture 5">
-            <a:extLst>
-              <a:ext uri="{FF2B5EF4-FFF2-40B4-BE49-F238E27FC236}">
-                <a16:creationId xmlns:a16="http://schemas.microsoft.com/office/drawing/2014/main" id="{38044E40-3ED7-4F4D-B664-345CA70D250E}"/>
-              </a:ext>
-            </a:extLst>
-          </p:cNvPr>
-          <p:cNvPicPr>
-            <a:picLocks noChangeAspect="1"/>
-          </p:cNvPicPr>
-          <p:nvPr/>
-        </p:nvPicPr>
-        <p:blipFill>
-          <a:blip r:embed="rId2">
-            <a:extLst>
-              <a:ext uri="{28A0092B-C50C-407E-A947-70E740481C1C}">
-                <a14:useLocalDpi xmlns:a14="http://schemas.microsoft.com/office/drawing/2010/main" val="0"/>
-              </a:ext>
-            </a:extLst>
-          </a:blip>
-          <a:stretch>
-            <a:fillRect/>
-          </a:stretch>
-        </p:blipFill>
-        <p:spPr>
-          <a:xfrm>
-            <a:off x="476250" y="-42726"/>
-            <a:ext cx="4933950" cy="2160365"/>
-          </a:xfrm>
-          <a:prstGeom prst="rect">
-            <a:avLst/>
-          </a:prstGeom>
-        </p:spPr>
-      </p:pic>
-      <p:sp>
-        <p:nvSpPr>
-          <p:cNvPr id="7" name="TextBox 6">
-            <a:extLst>
-              <a:ext uri="{FF2B5EF4-FFF2-40B4-BE49-F238E27FC236}">
-                <a16:creationId xmlns:a16="http://schemas.microsoft.com/office/drawing/2014/main" id="{F569C96D-E9F7-438E-B11B-FE0A8E7B58E8}"/>
-              </a:ext>
-            </a:extLst>
-          </p:cNvPr>
-          <p:cNvSpPr txBox="1"/>
-          <p:nvPr/>
-        </p:nvSpPr>
-        <p:spPr>
-          <a:xfrm>
-            <a:off x="371475" y="2480550"/>
-            <a:ext cx="10706100" cy="3539430"/>
-          </a:xfrm>
-          <a:prstGeom prst="rect">
-            <a:avLst/>
-          </a:prstGeom>
-          <a:noFill/>
-        </p:spPr>
-        <p:txBody>
-          <a:bodyPr wrap="square" numCol="2" rtlCol="0">
-            <a:spAutoFit/>
-          </a:bodyPr>
-          <a:lstStyle/>
-          <a:p>
-            <a:r>
-              <a:rPr lang="en-US" sz="2800" dirty="0">
-                <a:solidFill>
-                  <a:schemeClr val="tx1">
-                    <a:lumMod val="75000"/>
-                    <a:lumOff val="25000"/>
-                  </a:schemeClr>
-                </a:solidFill>
-              </a:rPr>
-              <a:t>It is a famous Library of</a:t>
-            </a:r>
-          </a:p>
-          <a:p>
-            <a:r>
-              <a:rPr lang="en-US" sz="2800" dirty="0">
-                <a:solidFill>
-                  <a:schemeClr val="tx1">
-                    <a:lumMod val="75000"/>
-                    <a:lumOff val="25000"/>
-                  </a:schemeClr>
-                </a:solidFill>
-              </a:rPr>
-              <a:t>node.js used for routing. It has some</a:t>
-            </a:r>
-          </a:p>
-          <a:p>
-            <a:r>
-              <a:rPr lang="en-US" sz="2800" dirty="0">
-                <a:solidFill>
-                  <a:schemeClr val="tx1">
-                    <a:lumMod val="75000"/>
-                    <a:lumOff val="25000"/>
-                  </a:schemeClr>
-                </a:solidFill>
-              </a:rPr>
-              <a:t>methods like a router which help to</a:t>
-            </a:r>
-          </a:p>
-          <a:p>
-            <a:r>
-              <a:rPr lang="en-US" sz="2800" dirty="0">
-                <a:solidFill>
-                  <a:schemeClr val="tx1">
-                    <a:lumMod val="75000"/>
-                    <a:lumOff val="25000"/>
-                  </a:schemeClr>
-                </a:solidFill>
-              </a:rPr>
-              <a:t>do curd operations like put, get, post,</a:t>
-            </a:r>
-            <a:r>
-              <a:rPr lang="en-IN" sz="2800" dirty="0">
-                <a:solidFill>
-                  <a:schemeClr val="tx1">
-                    <a:lumMod val="75000"/>
-                    <a:lumOff val="25000"/>
-                  </a:schemeClr>
-                </a:solidFill>
-              </a:rPr>
-              <a:t>and delete request .</a:t>
-            </a:r>
-          </a:p>
-          <a:p>
-            <a:endParaRPr lang="en-US" sz="2800" dirty="0">
-              <a:solidFill>
-                <a:schemeClr val="tx1">
-                  <a:lumMod val="75000"/>
-                  <a:lumOff val="25000"/>
-                </a:schemeClr>
-              </a:solidFill>
-            </a:endParaRPr>
-          </a:p>
-          <a:p>
-            <a:endParaRPr lang="en-IN" sz="2800" dirty="0">
-              <a:solidFill>
-                <a:schemeClr val="tx1">
-                  <a:lumMod val="75000"/>
-                  <a:lumOff val="25000"/>
-                </a:schemeClr>
-              </a:solidFill>
-            </a:endParaRPr>
-          </a:p>
-          <a:p>
-            <a:pPr marL="457200" indent="-457200">
-              <a:buFont typeface="Arial" panose="020B0604020202020204" pitchFamily="34" charset="0"/>
-              <a:buChar char="•"/>
-            </a:pPr>
-            <a:r>
-              <a:rPr lang="en-IN" sz="2800" dirty="0"/>
-              <a:t>Robust routing</a:t>
-            </a:r>
-          </a:p>
-          <a:p>
-            <a:pPr marL="457200" indent="-457200">
-              <a:buFont typeface="Arial" panose="020B0604020202020204" pitchFamily="34" charset="0"/>
-              <a:buChar char="•"/>
-            </a:pPr>
-            <a:endParaRPr lang="en-IN" sz="2800" dirty="0"/>
-          </a:p>
-          <a:p>
-            <a:pPr marL="457200" indent="-457200">
-              <a:buFont typeface="Arial" panose="020B0604020202020204" pitchFamily="34" charset="0"/>
-              <a:buChar char="•"/>
-            </a:pPr>
-            <a:r>
-              <a:rPr lang="en-US" sz="2800" dirty="0"/>
-              <a:t>It will focus on high performance</a:t>
-            </a:r>
-          </a:p>
-          <a:p>
-            <a:endParaRPr lang="en-US" sz="2800" dirty="0"/>
-          </a:p>
-          <a:p>
-            <a:r>
-              <a:rPr lang="en-US" sz="2800" dirty="0"/>
-              <a:t>*It is an HTTP helper like it will help with </a:t>
-            </a:r>
-            <a:r>
-              <a:rPr lang="en-IN" sz="2800" dirty="0"/>
-              <a:t>redirection, catching, editing etc</a:t>
-            </a:r>
-            <a:r>
-              <a:rPr lang="en-IN" sz="2000" dirty="0"/>
-              <a:t>.</a:t>
-            </a:r>
-          </a:p>
-          <a:p>
-            <a:endParaRPr lang="en-IN" sz="2000" dirty="0"/>
-          </a:p>
-        </p:txBody>
-      </p:sp>
-    </p:spTree>
-    <p:extLst>
-      <p:ext uri="{BB962C8B-B14F-4D97-AF65-F5344CB8AC3E}">
-        <p14:creationId xmlns:p14="http://schemas.microsoft.com/office/powerpoint/2010/main" val="16281939"/>
-      </p:ext>
-    </p:extLst>
-  </p:cSld>
-  <p:clrMapOvr>
-    <a:masterClrMapping/>
-  </p:clrMapOvr>
-</p:sld>
-</file>
-
-<file path=ppt/slides/slide9.xml><?xml version="1.0" encoding="utf-8"?>
-<p:sld xmlns:a="http://schemas.openxmlformats.org/drawingml/2006/main" xmlns:r="http://schemas.openxmlformats.org/officeDocument/2006/relationships" xmlns:p="http://schemas.openxmlformats.org/presentationml/2006/main">
-  <p:cSld>
-    <p:spTree>
-      <p:nvGrpSpPr>
-        <p:cNvPr id="1" name=""/>
-        <p:cNvGrpSpPr/>
-        <p:nvPr/>
-      </p:nvGrpSpPr>
-      <p:grpSpPr>
-        <a:xfrm>
-          <a:off x="0" y="0"/>
-          <a:ext cx="0" cy="0"/>
-          <a:chOff x="0" y="0"/>
-          <a:chExt cx="0" cy="0"/>
-        </a:xfrm>
-      </p:grpSpPr>
-      <p:sp>
-        <p:nvSpPr>
-          <p:cNvPr id="4" name="Rectangle 3">
-            <a:extLst>
-              <a:ext uri="{FF2B5EF4-FFF2-40B4-BE49-F238E27FC236}">
-                <a16:creationId xmlns:a16="http://schemas.microsoft.com/office/drawing/2014/main" id="{85A37C7B-1527-467B-949F-096FCE05FB11}"/>
-              </a:ext>
-            </a:extLst>
-          </p:cNvPr>
-          <p:cNvSpPr/>
-          <p:nvPr/>
-        </p:nvSpPr>
-        <p:spPr>
-          <a:xfrm>
-            <a:off x="0" y="-714375"/>
-            <a:ext cx="12192000" cy="2981325"/>
-          </a:xfrm>
-          <a:prstGeom prst="rect">
-            <a:avLst/>
-          </a:prstGeom>
-        </p:spPr>
-        <p:style>
-          <a:lnRef idx="2">
-            <a:schemeClr val="accent1">
-              <a:shade val="50000"/>
-            </a:schemeClr>
-          </a:lnRef>
-          <a:fillRef idx="1">
-            <a:schemeClr val="accent1"/>
-          </a:fillRef>
-          <a:effectRef idx="0">
-            <a:schemeClr val="accent1"/>
-          </a:effectRef>
-          <a:fontRef idx="minor">
-            <a:schemeClr val="lt1"/>
-          </a:fontRef>
-        </p:style>
-        <p:txBody>
-          <a:bodyPr rtlCol="0" anchor="ctr"/>
-          <a:lstStyle/>
-          <a:p>
-            <a:pPr algn="ctr"/>
-            <a:endParaRPr lang="en-IN" dirty="0"/>
-          </a:p>
-        </p:txBody>
-      </p:sp>
-      <p:sp>
-        <p:nvSpPr>
-          <p:cNvPr id="5" name="Title 1">
-            <a:extLst>
-              <a:ext uri="{FF2B5EF4-FFF2-40B4-BE49-F238E27FC236}">
-                <a16:creationId xmlns:a16="http://schemas.microsoft.com/office/drawing/2014/main" id="{41A20B25-F493-4DA2-835D-54ECA2A0D804}"/>
-              </a:ext>
-            </a:extLst>
-          </p:cNvPr>
-          <p:cNvSpPr txBox="1">
-            <a:spLocks/>
-          </p:cNvSpPr>
-          <p:nvPr/>
-        </p:nvSpPr>
-        <p:spPr>
-          <a:xfrm>
-            <a:off x="476250" y="-42726"/>
-            <a:ext cx="4800600" cy="1128576"/>
-          </a:xfrm>
-          <a:prstGeom prst="rect">
-            <a:avLst/>
-          </a:prstGeom>
-        </p:spPr>
-        <p:txBody>
-          <a:bodyPr vert="horz" lIns="91440" tIns="45720" rIns="91440" bIns="45720" rtlCol="0" anchor="b">
-            <a:normAutofit/>
-          </a:bodyPr>
-          <a:lstStyle>
-            <a:lvl1pPr algn="ctr" defTabSz="914400" rtl="0" eaLnBrk="1" latinLnBrk="0" hangingPunct="1">
-              <a:lnSpc>
-                <a:spcPct val="90000"/>
-              </a:lnSpc>
-              <a:spcBef>
-                <a:spcPct val="0"/>
-              </a:spcBef>
-              <a:buNone/>
-              <a:defRPr sz="6000" kern="1200">
-                <a:solidFill>
-                  <a:schemeClr val="tx1"/>
-                </a:solidFill>
-                <a:latin typeface="+mj-lt"/>
-                <a:ea typeface="+mj-ea"/>
-                <a:cs typeface="+mj-cs"/>
-              </a:defRPr>
-            </a:lvl1pPr>
-          </a:lstStyle>
-          <a:p>
-            <a:pPr algn="l"/>
-            <a:endParaRPr lang="en-IN" dirty="0">
-              <a:solidFill>
-                <a:schemeClr val="bg1"/>
-              </a:solidFill>
-              <a:latin typeface="Bahnschrift Condensed" panose="020B0502040204020203" pitchFamily="34" charset="0"/>
-            </a:endParaRPr>
-          </a:p>
-        </p:txBody>
-      </p:sp>
-      <p:pic>
-        <p:nvPicPr>
-          <p:cNvPr id="6" name="Picture 5">
-            <a:extLst>
-              <a:ext uri="{FF2B5EF4-FFF2-40B4-BE49-F238E27FC236}">
-                <a16:creationId xmlns:a16="http://schemas.microsoft.com/office/drawing/2014/main" id="{45C1D9A0-500C-4AD2-A006-D237611134D4}"/>
-              </a:ext>
-            </a:extLst>
-          </p:cNvPr>
-          <p:cNvPicPr>
-            <a:picLocks noChangeAspect="1"/>
-          </p:cNvPicPr>
-          <p:nvPr/>
-        </p:nvPicPr>
-        <p:blipFill>
-          <a:blip r:embed="rId2">
-            <a:extLst>
-              <a:ext uri="{28A0092B-C50C-407E-A947-70E740481C1C}">
-                <a14:useLocalDpi xmlns:a14="http://schemas.microsoft.com/office/drawing/2010/main" val="0"/>
-              </a:ext>
-            </a:extLst>
-          </a:blip>
-          <a:stretch>
-            <a:fillRect/>
-          </a:stretch>
-        </p:blipFill>
-        <p:spPr>
-          <a:xfrm>
-            <a:off x="561976" y="-280851"/>
-            <a:ext cx="4800600" cy="2259657"/>
-          </a:xfrm>
-          <a:prstGeom prst="rect">
-            <a:avLst/>
-          </a:prstGeom>
-        </p:spPr>
-      </p:pic>
-      <p:sp>
-        <p:nvSpPr>
-          <p:cNvPr id="9" name="TextBox 8">
-            <a:extLst>
-              <a:ext uri="{FF2B5EF4-FFF2-40B4-BE49-F238E27FC236}">
-                <a16:creationId xmlns:a16="http://schemas.microsoft.com/office/drawing/2014/main" id="{C7A55571-879A-40EA-A09B-133DAF74F363}"/>
-              </a:ext>
-            </a:extLst>
-          </p:cNvPr>
-          <p:cNvSpPr txBox="1"/>
-          <p:nvPr/>
-        </p:nvSpPr>
-        <p:spPr>
-          <a:xfrm flipH="1">
-            <a:off x="361949" y="2505076"/>
-            <a:ext cx="4648200" cy="3785652"/>
-          </a:xfrm>
-          <a:prstGeom prst="rect">
-            <a:avLst/>
-          </a:prstGeom>
-          <a:noFill/>
-        </p:spPr>
-        <p:txBody>
-          <a:bodyPr wrap="square" rtlCol="0">
-            <a:spAutoFit/>
-          </a:bodyPr>
-          <a:lstStyle/>
-          <a:p>
-            <a:r>
-              <a:rPr lang="en-US" sz="2400" dirty="0">
-                <a:solidFill>
-                  <a:schemeClr val="tx1">
-                    <a:lumMod val="65000"/>
-                    <a:lumOff val="35000"/>
-                  </a:schemeClr>
-                </a:solidFill>
-              </a:rPr>
-              <a:t>React is a library of </a:t>
-            </a:r>
-            <a:r>
-              <a:rPr lang="en-US" sz="2400" dirty="0" err="1">
-                <a:solidFill>
-                  <a:schemeClr val="tx1">
-                    <a:lumMod val="65000"/>
-                    <a:lumOff val="35000"/>
-                  </a:schemeClr>
-                </a:solidFill>
-              </a:rPr>
-              <a:t>javascript</a:t>
-            </a:r>
-            <a:r>
-              <a:rPr lang="en-US" sz="2400" dirty="0">
-                <a:solidFill>
-                  <a:schemeClr val="tx1">
-                    <a:lumMod val="65000"/>
-                    <a:lumOff val="35000"/>
-                  </a:schemeClr>
-                </a:solidFill>
-              </a:rPr>
-              <a:t> which is created by Facebook. React is mainly used as a UI which means Maximum it is used for client-side applications. There are so</a:t>
-            </a:r>
-          </a:p>
-          <a:p>
-            <a:r>
-              <a:rPr lang="en-IN" sz="2400" dirty="0">
-                <a:solidFill>
-                  <a:schemeClr val="tx1">
-                    <a:lumMod val="65000"/>
-                    <a:lumOff val="35000"/>
-                  </a:schemeClr>
-                </a:solidFill>
-              </a:rPr>
-              <a:t>many libraries like React </a:t>
-            </a:r>
-            <a:r>
-              <a:rPr lang="en-IN" sz="2400" dirty="0" err="1">
-                <a:solidFill>
-                  <a:schemeClr val="tx1">
-                    <a:lumMod val="65000"/>
-                    <a:lumOff val="35000"/>
-                  </a:schemeClr>
-                </a:solidFill>
-              </a:rPr>
-              <a:t>gh</a:t>
-            </a:r>
-            <a:r>
-              <a:rPr lang="en-IN" sz="2400" dirty="0">
-                <a:solidFill>
-                  <a:schemeClr val="tx1">
-                    <a:lumMod val="65000"/>
-                    <a:lumOff val="35000"/>
-                  </a:schemeClr>
-                </a:solidFill>
-              </a:rPr>
-              <a:t> side Library in React-</a:t>
-            </a:r>
-            <a:r>
-              <a:rPr lang="en-IN" sz="2400" dirty="0" err="1">
-                <a:solidFill>
-                  <a:schemeClr val="tx1">
-                    <a:lumMod val="65000"/>
-                    <a:lumOff val="35000"/>
-                  </a:schemeClr>
-                </a:solidFill>
-              </a:rPr>
-              <a:t>dom</a:t>
-            </a:r>
-            <a:r>
-              <a:rPr lang="en-IN" sz="2400" dirty="0">
-                <a:solidFill>
-                  <a:schemeClr val="tx1">
-                    <a:lumMod val="65000"/>
-                    <a:lumOff val="35000"/>
-                  </a:schemeClr>
-                </a:solidFill>
-              </a:rPr>
-              <a:t>, </a:t>
-            </a:r>
-            <a:r>
-              <a:rPr lang="en-IN" sz="2400" dirty="0" err="1">
-                <a:solidFill>
-                  <a:schemeClr val="tx1">
-                    <a:lumMod val="65000"/>
-                    <a:lumOff val="35000"/>
-                  </a:schemeClr>
-                </a:solidFill>
-              </a:rPr>
-              <a:t>Reactrouter</a:t>
-            </a:r>
-            <a:r>
-              <a:rPr lang="en-IN" sz="2400" dirty="0">
-                <a:solidFill>
-                  <a:schemeClr val="tx1">
-                    <a:lumMod val="65000"/>
-                    <a:lumOff val="35000"/>
-                  </a:schemeClr>
-                </a:solidFill>
-              </a:rPr>
-              <a:t>-</a:t>
-            </a:r>
-            <a:r>
-              <a:rPr lang="en-US" sz="2400" dirty="0" err="1">
-                <a:solidFill>
-                  <a:schemeClr val="tx1">
-                    <a:lumMod val="65000"/>
-                    <a:lumOff val="35000"/>
-                  </a:schemeClr>
-                </a:solidFill>
-              </a:rPr>
-              <a:t>dom</a:t>
-            </a:r>
-            <a:r>
-              <a:rPr lang="en-US" sz="2400" dirty="0">
-                <a:solidFill>
-                  <a:schemeClr val="tx1">
-                    <a:lumMod val="65000"/>
-                    <a:lumOff val="35000"/>
-                  </a:schemeClr>
-                </a:solidFill>
-              </a:rPr>
-              <a:t>, and many more to help to build the frontend of any</a:t>
-            </a:r>
-          </a:p>
-          <a:p>
-            <a:r>
-              <a:rPr lang="en-IN" sz="2400" dirty="0">
-                <a:solidFill>
-                  <a:schemeClr val="tx1">
-                    <a:lumMod val="65000"/>
-                    <a:lumOff val="35000"/>
-                  </a:schemeClr>
-                </a:solidFill>
-              </a:rPr>
-              <a:t>application.</a:t>
-            </a:r>
-          </a:p>
-        </p:txBody>
-      </p:sp>
-      <p:sp>
-        <p:nvSpPr>
-          <p:cNvPr id="10" name="TextBox 9">
-            <a:extLst>
-              <a:ext uri="{FF2B5EF4-FFF2-40B4-BE49-F238E27FC236}">
-                <a16:creationId xmlns:a16="http://schemas.microsoft.com/office/drawing/2014/main" id="{EC2F4F3C-3A92-4E0C-8B95-2F73EC549305}"/>
-              </a:ext>
-            </a:extLst>
-          </p:cNvPr>
-          <p:cNvSpPr txBox="1"/>
-          <p:nvPr/>
-        </p:nvSpPr>
-        <p:spPr>
-          <a:xfrm flipH="1">
-            <a:off x="5734049" y="2657476"/>
-            <a:ext cx="4676776" cy="3046988"/>
-          </a:xfrm>
-          <a:prstGeom prst="rect">
-            <a:avLst/>
-          </a:prstGeom>
-          <a:noFill/>
-        </p:spPr>
-        <p:txBody>
-          <a:bodyPr wrap="square" rtlCol="0">
-            <a:spAutoFit/>
-          </a:bodyPr>
-          <a:lstStyle/>
-          <a:p>
-            <a:r>
-              <a:rPr lang="en-US" sz="2400" dirty="0"/>
-              <a:t>* </a:t>
-            </a:r>
-            <a:r>
-              <a:rPr lang="en-US" sz="2400" dirty="0">
-                <a:solidFill>
-                  <a:schemeClr val="tx1">
-                    <a:lumMod val="65000"/>
-                    <a:lumOff val="35000"/>
-                  </a:schemeClr>
-                </a:solidFill>
-              </a:rPr>
-              <a:t>The rendering of the page will be</a:t>
-            </a:r>
-          </a:p>
-          <a:p>
-            <a:r>
-              <a:rPr lang="en-US" sz="2400" dirty="0">
-                <a:solidFill>
-                  <a:schemeClr val="tx1">
-                    <a:lumMod val="65000"/>
-                    <a:lumOff val="35000"/>
-                  </a:schemeClr>
-                </a:solidFill>
-              </a:rPr>
-              <a:t>much faster than others because it</a:t>
-            </a:r>
-          </a:p>
-          <a:p>
-            <a:r>
-              <a:rPr lang="en-IN" sz="2400" dirty="0">
-                <a:solidFill>
-                  <a:schemeClr val="tx1">
-                    <a:lumMod val="65000"/>
-                    <a:lumOff val="35000"/>
-                  </a:schemeClr>
-                </a:solidFill>
-              </a:rPr>
-              <a:t>has virtual Dom</a:t>
-            </a:r>
-            <a:r>
-              <a:rPr lang="en-IN" sz="2400" dirty="0"/>
-              <a:t>.</a:t>
-            </a:r>
-          </a:p>
-          <a:p>
-            <a:endParaRPr lang="en-IN" sz="2400" dirty="0"/>
-          </a:p>
-          <a:p>
-            <a:r>
-              <a:rPr lang="en-IN" sz="2400" dirty="0"/>
-              <a:t>*</a:t>
-            </a:r>
-            <a:r>
-              <a:rPr lang="en-IN" sz="2400" dirty="0">
-                <a:solidFill>
-                  <a:schemeClr val="tx1">
-                    <a:lumMod val="65000"/>
-                    <a:lumOff val="35000"/>
-                  </a:schemeClr>
-                </a:solidFill>
-              </a:rPr>
-              <a:t>uses a stable code</a:t>
-            </a:r>
-            <a:r>
-              <a:rPr lang="en-IN" sz="2400" dirty="0"/>
-              <a:t>.</a:t>
-            </a:r>
-          </a:p>
-          <a:p>
-            <a:endParaRPr lang="en-IN" sz="2400" dirty="0"/>
-          </a:p>
-          <a:p>
-            <a:r>
-              <a:rPr lang="en-US" sz="2400" dirty="0"/>
-              <a:t>* </a:t>
-            </a:r>
-            <a:r>
-              <a:rPr lang="en-US" sz="2400" dirty="0">
-                <a:solidFill>
-                  <a:schemeClr val="tx1">
-                    <a:lumMod val="65000"/>
-                    <a:lumOff val="35000"/>
-                  </a:schemeClr>
-                </a:solidFill>
-              </a:rPr>
-              <a:t>It has a strong community</a:t>
-            </a:r>
-          </a:p>
-          <a:p>
-            <a:r>
-              <a:rPr lang="en-IN" sz="2400" dirty="0">
-                <a:solidFill>
-                  <a:schemeClr val="tx1">
-                    <a:lumMod val="65000"/>
-                    <a:lumOff val="35000"/>
-                  </a:schemeClr>
-                </a:solidFill>
-              </a:rPr>
-              <a:t>followed.</a:t>
-            </a:r>
-            <a:endParaRPr lang="en-IN" sz="3200" dirty="0">
-              <a:solidFill>
-                <a:schemeClr val="tx1">
-                  <a:lumMod val="65000"/>
-                  <a:lumOff val="35000"/>
-                </a:schemeClr>
-              </a:solidFill>
-            </a:endParaRPr>
-          </a:p>
-        </p:txBody>
-      </p:sp>
-    </p:spTree>
-    <p:extLst>
-      <p:ext uri="{BB962C8B-B14F-4D97-AF65-F5344CB8AC3E}">
-        <p14:creationId xmlns:p14="http://schemas.microsoft.com/office/powerpoint/2010/main" val="2436030087"/>
       </p:ext>
     </p:extLst>
   </p:cSld>
